--- a/figures/Presentation1.pptx
+++ b/figures/Presentation1.pptx
@@ -6,6 +6,10 @@
   </p:sldMasterIdLst>
   <p:sldIdLst>
     <p:sldId id="256" r:id="rId2"/>
+    <p:sldId id="257" r:id="rId3"/>
+    <p:sldId id="258" r:id="rId4"/>
+    <p:sldId id="259" r:id="rId5"/>
+    <p:sldId id="260" r:id="rId6"/>
   </p:sldIdLst>
   <p:sldSz cx="9144000" cy="6858000" type="screen4x3"/>
   <p:notesSz cx="6858000" cy="9144000"/>
@@ -3867,6 +3871,4321 @@
     <p:extLst>
       <p:ext uri="{BB962C8B-B14F-4D97-AF65-F5344CB8AC3E}">
         <p14:creationId xmlns:p14="http://schemas.microsoft.com/office/powerpoint/2010/main" val="1358986349"/>
+      </p:ext>
+    </p:extLst>
+  </p:cSld>
+  <p:clrMapOvr>
+    <a:masterClrMapping/>
+  </p:clrMapOvr>
+</p:sld>
+</file>
+
+<file path=ppt/slides/slide2.xml><?xml version="1.0" encoding="utf-8"?>
+<p:sld xmlns:a="http://schemas.openxmlformats.org/drawingml/2006/main" xmlns:r="http://schemas.openxmlformats.org/officeDocument/2006/relationships" xmlns:p="http://schemas.openxmlformats.org/presentationml/2006/main">
+  <p:cSld>
+    <p:spTree>
+      <p:nvGrpSpPr>
+        <p:cNvPr id="1" name=""/>
+        <p:cNvGrpSpPr/>
+        <p:nvPr/>
+      </p:nvGrpSpPr>
+      <p:grpSpPr>
+        <a:xfrm>
+          <a:off x="0" y="0"/>
+          <a:ext cx="0" cy="0"/>
+          <a:chOff x="0" y="0"/>
+          <a:chExt cx="0" cy="0"/>
+        </a:xfrm>
+      </p:grpSpPr>
+      <p:sp>
+        <p:nvSpPr>
+          <p:cNvPr id="15" name="Oval 14"/>
+          <p:cNvSpPr/>
+          <p:nvPr/>
+        </p:nvSpPr>
+        <p:spPr>
+          <a:xfrm>
+            <a:off x="8015966" y="1672420"/>
+            <a:ext cx="211642" cy="211642"/>
+          </a:xfrm>
+          <a:prstGeom prst="ellipse">
+            <a:avLst/>
+          </a:prstGeom>
+        </p:spPr>
+        <p:style>
+          <a:lnRef idx="2">
+            <a:schemeClr val="dk1">
+              <a:shade val="50000"/>
+            </a:schemeClr>
+          </a:lnRef>
+          <a:fillRef idx="1">
+            <a:schemeClr val="dk1"/>
+          </a:fillRef>
+          <a:effectRef idx="0">
+            <a:schemeClr val="dk1"/>
+          </a:effectRef>
+          <a:fontRef idx="minor">
+            <a:schemeClr val="lt1"/>
+          </a:fontRef>
+        </p:style>
+        <p:txBody>
+          <a:bodyPr rtlCol="0" anchor="ctr"/>
+          <a:lstStyle/>
+          <a:p>
+            <a:pPr algn="ctr"/>
+            <a:endParaRPr lang="en-US"/>
+          </a:p>
+        </p:txBody>
+      </p:sp>
+      <p:sp>
+        <p:nvSpPr>
+          <p:cNvPr id="16" name="Oval 15"/>
+          <p:cNvSpPr/>
+          <p:nvPr/>
+        </p:nvSpPr>
+        <p:spPr>
+          <a:xfrm>
+            <a:off x="8015966" y="3456796"/>
+            <a:ext cx="211642" cy="211642"/>
+          </a:xfrm>
+          <a:prstGeom prst="ellipse">
+            <a:avLst/>
+          </a:prstGeom>
+        </p:spPr>
+        <p:style>
+          <a:lnRef idx="2">
+            <a:schemeClr val="dk1">
+              <a:shade val="50000"/>
+            </a:schemeClr>
+          </a:lnRef>
+          <a:fillRef idx="1">
+            <a:schemeClr val="dk1"/>
+          </a:fillRef>
+          <a:effectRef idx="0">
+            <a:schemeClr val="dk1"/>
+          </a:effectRef>
+          <a:fontRef idx="minor">
+            <a:schemeClr val="lt1"/>
+          </a:fontRef>
+        </p:style>
+        <p:txBody>
+          <a:bodyPr rtlCol="0" anchor="ctr"/>
+          <a:lstStyle/>
+          <a:p>
+            <a:pPr algn="ctr"/>
+            <a:endParaRPr lang="en-US"/>
+          </a:p>
+        </p:txBody>
+      </p:sp>
+      <p:sp>
+        <p:nvSpPr>
+          <p:cNvPr id="17" name="Oval 16"/>
+          <p:cNvSpPr/>
+          <p:nvPr/>
+        </p:nvSpPr>
+        <p:spPr>
+          <a:xfrm>
+            <a:off x="5031344" y="3456796"/>
+            <a:ext cx="211642" cy="211642"/>
+          </a:xfrm>
+          <a:prstGeom prst="ellipse">
+            <a:avLst/>
+          </a:prstGeom>
+        </p:spPr>
+        <p:style>
+          <a:lnRef idx="2">
+            <a:schemeClr val="dk1">
+              <a:shade val="50000"/>
+            </a:schemeClr>
+          </a:lnRef>
+          <a:fillRef idx="1">
+            <a:schemeClr val="dk1"/>
+          </a:fillRef>
+          <a:effectRef idx="0">
+            <a:schemeClr val="dk1"/>
+          </a:effectRef>
+          <a:fontRef idx="minor">
+            <a:schemeClr val="lt1"/>
+          </a:fontRef>
+        </p:style>
+        <p:txBody>
+          <a:bodyPr rtlCol="0" anchor="ctr"/>
+          <a:lstStyle/>
+          <a:p>
+            <a:pPr algn="ctr"/>
+            <a:endParaRPr lang="en-US"/>
+          </a:p>
+        </p:txBody>
+      </p:sp>
+      <p:sp>
+        <p:nvSpPr>
+          <p:cNvPr id="14" name="Oval 13"/>
+          <p:cNvSpPr/>
+          <p:nvPr/>
+        </p:nvSpPr>
+        <p:spPr>
+          <a:xfrm>
+            <a:off x="5031344" y="1672420"/>
+            <a:ext cx="211642" cy="211642"/>
+          </a:xfrm>
+          <a:prstGeom prst="ellipse">
+            <a:avLst/>
+          </a:prstGeom>
+        </p:spPr>
+        <p:style>
+          <a:lnRef idx="2">
+            <a:schemeClr val="dk1">
+              <a:shade val="50000"/>
+            </a:schemeClr>
+          </a:lnRef>
+          <a:fillRef idx="1">
+            <a:schemeClr val="dk1"/>
+          </a:fillRef>
+          <a:effectRef idx="0">
+            <a:schemeClr val="dk1"/>
+          </a:effectRef>
+          <a:fontRef idx="minor">
+            <a:schemeClr val="lt1"/>
+          </a:fontRef>
+        </p:style>
+        <p:txBody>
+          <a:bodyPr rtlCol="0" anchor="ctr"/>
+          <a:lstStyle/>
+          <a:p>
+            <a:pPr algn="ctr"/>
+            <a:endParaRPr lang="en-US"/>
+          </a:p>
+        </p:txBody>
+      </p:sp>
+      <p:sp>
+        <p:nvSpPr>
+          <p:cNvPr id="11" name="Rectangle 10"/>
+          <p:cNvSpPr/>
+          <p:nvPr/>
+        </p:nvSpPr>
+        <p:spPr>
+          <a:xfrm>
+            <a:off x="5015048" y="1633936"/>
+            <a:ext cx="3256265" cy="2051295"/>
+          </a:xfrm>
+          <a:prstGeom prst="rect">
+            <a:avLst/>
+          </a:prstGeom>
+          <a:solidFill>
+            <a:schemeClr val="bg2">
+              <a:lumMod val="50000"/>
+              <a:alpha val="82000"/>
+            </a:schemeClr>
+          </a:solidFill>
+        </p:spPr>
+        <p:style>
+          <a:lnRef idx="1">
+            <a:schemeClr val="accent5"/>
+          </a:lnRef>
+          <a:fillRef idx="2">
+            <a:schemeClr val="accent5"/>
+          </a:fillRef>
+          <a:effectRef idx="1">
+            <a:schemeClr val="accent5"/>
+          </a:effectRef>
+          <a:fontRef idx="minor">
+            <a:schemeClr val="dk1"/>
+          </a:fontRef>
+        </p:style>
+        <p:txBody>
+          <a:bodyPr rtlCol="0" anchor="ctr"/>
+          <a:lstStyle/>
+          <a:p>
+            <a:pPr algn="ctr"/>
+            <a:endParaRPr lang="en-US"/>
+          </a:p>
+        </p:txBody>
+      </p:sp>
+      <p:cxnSp>
+        <p:nvCxnSpPr>
+          <p:cNvPr id="4" name="Straight Arrow Connector 3"/>
+          <p:cNvCxnSpPr/>
+          <p:nvPr/>
+        </p:nvCxnSpPr>
+        <p:spPr>
+          <a:xfrm flipV="1">
+            <a:off x="5384107" y="2098633"/>
+            <a:ext cx="1911266" cy="1031035"/>
+          </a:xfrm>
+          <a:prstGeom prst="straightConnector1">
+            <a:avLst/>
+          </a:prstGeom>
+          <a:ln>
+            <a:tailEnd type="arrow"/>
+          </a:ln>
+        </p:spPr>
+        <p:style>
+          <a:lnRef idx="3">
+            <a:schemeClr val="accent3"/>
+          </a:lnRef>
+          <a:fillRef idx="0">
+            <a:schemeClr val="accent3"/>
+          </a:fillRef>
+          <a:effectRef idx="2">
+            <a:schemeClr val="accent3"/>
+          </a:effectRef>
+          <a:fontRef idx="minor">
+            <a:schemeClr val="tx1"/>
+          </a:fontRef>
+        </p:style>
+      </p:cxnSp>
+      <p:cxnSp>
+        <p:nvCxnSpPr>
+          <p:cNvPr id="5" name="Straight Arrow Connector 4"/>
+          <p:cNvCxnSpPr/>
+          <p:nvPr/>
+        </p:nvCxnSpPr>
+        <p:spPr>
+          <a:xfrm>
+            <a:off x="7295373" y="2098633"/>
+            <a:ext cx="599929" cy="611575"/>
+          </a:xfrm>
+          <a:prstGeom prst="straightConnector1">
+            <a:avLst/>
+          </a:prstGeom>
+          <a:ln>
+            <a:tailEnd type="arrow"/>
+          </a:ln>
+        </p:spPr>
+        <p:style>
+          <a:lnRef idx="3">
+            <a:schemeClr val="accent2"/>
+          </a:lnRef>
+          <a:fillRef idx="0">
+            <a:schemeClr val="accent2"/>
+          </a:fillRef>
+          <a:effectRef idx="2">
+            <a:schemeClr val="accent2"/>
+          </a:effectRef>
+          <a:fontRef idx="minor">
+            <a:schemeClr val="tx1"/>
+          </a:fontRef>
+        </p:style>
+      </p:cxnSp>
+      <p:cxnSp>
+        <p:nvCxnSpPr>
+          <p:cNvPr id="8" name="Straight Arrow Connector 7"/>
+          <p:cNvCxnSpPr/>
+          <p:nvPr/>
+        </p:nvCxnSpPr>
+        <p:spPr>
+          <a:xfrm flipV="1">
+            <a:off x="5384107" y="2710208"/>
+            <a:ext cx="2511195" cy="422093"/>
+          </a:xfrm>
+          <a:prstGeom prst="straightConnector1">
+            <a:avLst/>
+          </a:prstGeom>
+          <a:ln>
+            <a:tailEnd type="arrow"/>
+          </a:ln>
+        </p:spPr>
+        <p:style>
+          <a:lnRef idx="3">
+            <a:schemeClr val="dk1"/>
+          </a:lnRef>
+          <a:fillRef idx="0">
+            <a:schemeClr val="dk1"/>
+          </a:fillRef>
+          <a:effectRef idx="2">
+            <a:schemeClr val="dk1"/>
+          </a:effectRef>
+          <a:fontRef idx="minor">
+            <a:schemeClr val="tx1"/>
+          </a:fontRef>
+        </p:style>
+      </p:cxnSp>
+      <p:cxnSp>
+        <p:nvCxnSpPr>
+          <p:cNvPr id="12" name="Straight Arrow Connector 11"/>
+          <p:cNvCxnSpPr/>
+          <p:nvPr/>
+        </p:nvCxnSpPr>
+        <p:spPr>
+          <a:xfrm>
+            <a:off x="5015048" y="3685231"/>
+            <a:ext cx="599929" cy="611575"/>
+          </a:xfrm>
+          <a:prstGeom prst="straightConnector1">
+            <a:avLst/>
+          </a:prstGeom>
+          <a:ln>
+            <a:tailEnd type="arrow"/>
+          </a:ln>
+        </p:spPr>
+        <p:style>
+          <a:lnRef idx="3">
+            <a:schemeClr val="accent2"/>
+          </a:lnRef>
+          <a:fillRef idx="0">
+            <a:schemeClr val="accent2"/>
+          </a:fillRef>
+          <a:effectRef idx="2">
+            <a:schemeClr val="accent2"/>
+          </a:effectRef>
+          <a:fontRef idx="minor">
+            <a:schemeClr val="tx1"/>
+          </a:fontRef>
+        </p:style>
+      </p:cxnSp>
+      <p:sp>
+        <p:nvSpPr>
+          <p:cNvPr id="13" name="Rectangle 12"/>
+          <p:cNvSpPr/>
+          <p:nvPr/>
+        </p:nvSpPr>
+        <p:spPr>
+          <a:xfrm>
+            <a:off x="5614977" y="2214702"/>
+            <a:ext cx="3256265" cy="2051295"/>
+          </a:xfrm>
+          <a:prstGeom prst="rect">
+            <a:avLst/>
+          </a:prstGeom>
+          <a:noFill/>
+          <a:ln>
+            <a:solidFill>
+              <a:schemeClr val="bg2">
+                <a:lumMod val="25000"/>
+              </a:schemeClr>
+            </a:solidFill>
+            <a:prstDash val="dash"/>
+          </a:ln>
+        </p:spPr>
+        <p:style>
+          <a:lnRef idx="1">
+            <a:schemeClr val="accent5"/>
+          </a:lnRef>
+          <a:fillRef idx="2">
+            <a:schemeClr val="accent5"/>
+          </a:fillRef>
+          <a:effectRef idx="1">
+            <a:schemeClr val="accent5"/>
+          </a:effectRef>
+          <a:fontRef idx="minor">
+            <a:schemeClr val="dk1"/>
+          </a:fontRef>
+        </p:style>
+        <p:txBody>
+          <a:bodyPr rtlCol="0" anchor="ctr"/>
+          <a:lstStyle/>
+          <a:p>
+            <a:pPr algn="ctr"/>
+            <a:endParaRPr lang="en-US"/>
+          </a:p>
+        </p:txBody>
+      </p:sp>
+      <p:pic>
+        <p:nvPicPr>
+          <p:cNvPr id="18" name="Picture 17" descr="latex-image-1.pdf"/>
+          <p:cNvPicPr>
+            <a:picLocks noChangeAspect="1"/>
+          </p:cNvPicPr>
+          <p:nvPr/>
+        </p:nvPicPr>
+        <p:blipFill>
+          <a:blip r:embed="rId2">
+            <a:extLst>
+              <a:ext uri="{28A0092B-C50C-407E-A947-70E740481C1C}">
+                <a14:useLocalDpi xmlns:a14="http://schemas.microsoft.com/office/drawing/2010/main" val="0"/>
+              </a:ext>
+            </a:extLst>
+          </a:blip>
+          <a:stretch>
+            <a:fillRect/>
+          </a:stretch>
+        </p:blipFill>
+        <p:spPr>
+          <a:xfrm>
+            <a:off x="5168207" y="2888368"/>
+            <a:ext cx="215900" cy="241300"/>
+          </a:xfrm>
+          <a:prstGeom prst="rect">
+            <a:avLst/>
+          </a:prstGeom>
+        </p:spPr>
+      </p:pic>
+      <p:pic>
+        <p:nvPicPr>
+          <p:cNvPr id="19" name="Picture 18" descr="latex-image-1.pdf"/>
+          <p:cNvPicPr>
+            <a:picLocks noChangeAspect="1"/>
+          </p:cNvPicPr>
+          <p:nvPr/>
+        </p:nvPicPr>
+        <p:blipFill>
+          <a:blip r:embed="rId3">
+            <a:extLst>
+              <a:ext uri="{28A0092B-C50C-407E-A947-70E740481C1C}">
+                <a14:useLocalDpi xmlns:a14="http://schemas.microsoft.com/office/drawing/2010/main" val="0"/>
+              </a:ext>
+            </a:extLst>
+          </a:blip>
+          <a:stretch>
+            <a:fillRect/>
+          </a:stretch>
+        </p:blipFill>
+        <p:spPr>
+          <a:xfrm>
+            <a:off x="7212765" y="1687927"/>
+            <a:ext cx="228600" cy="215900"/>
+          </a:xfrm>
+          <a:prstGeom prst="rect">
+            <a:avLst/>
+          </a:prstGeom>
+        </p:spPr>
+      </p:pic>
+      <p:pic>
+        <p:nvPicPr>
+          <p:cNvPr id="20" name="Picture 19" descr="latex-image-1.pdf"/>
+          <p:cNvPicPr>
+            <a:picLocks noChangeAspect="1"/>
+          </p:cNvPicPr>
+          <p:nvPr/>
+        </p:nvPicPr>
+        <p:blipFill>
+          <a:blip r:embed="rId4">
+            <a:extLst>
+              <a:ext uri="{28A0092B-C50C-407E-A947-70E740481C1C}">
+                <a14:useLocalDpi xmlns:a14="http://schemas.microsoft.com/office/drawing/2010/main" val="0"/>
+              </a:ext>
+            </a:extLst>
+          </a:blip>
+          <a:stretch>
+            <a:fillRect/>
+          </a:stretch>
+        </p:blipFill>
+        <p:spPr>
+          <a:xfrm>
+            <a:off x="7828436" y="2804063"/>
+            <a:ext cx="203200" cy="241300"/>
+          </a:xfrm>
+          <a:prstGeom prst="rect">
+            <a:avLst/>
+          </a:prstGeom>
+        </p:spPr>
+      </p:pic>
+      <p:sp>
+        <p:nvSpPr>
+          <p:cNvPr id="21" name="Oval 20"/>
+          <p:cNvSpPr/>
+          <p:nvPr/>
+        </p:nvSpPr>
+        <p:spPr>
+          <a:xfrm>
+            <a:off x="3434398" y="1673234"/>
+            <a:ext cx="211642" cy="211642"/>
+          </a:xfrm>
+          <a:prstGeom prst="ellipse">
+            <a:avLst/>
+          </a:prstGeom>
+        </p:spPr>
+        <p:style>
+          <a:lnRef idx="2">
+            <a:schemeClr val="dk1">
+              <a:shade val="50000"/>
+            </a:schemeClr>
+          </a:lnRef>
+          <a:fillRef idx="1">
+            <a:schemeClr val="dk1"/>
+          </a:fillRef>
+          <a:effectRef idx="0">
+            <a:schemeClr val="dk1"/>
+          </a:effectRef>
+          <a:fontRef idx="minor">
+            <a:schemeClr val="lt1"/>
+          </a:fontRef>
+        </p:style>
+        <p:txBody>
+          <a:bodyPr rtlCol="0" anchor="ctr"/>
+          <a:lstStyle/>
+          <a:p>
+            <a:pPr algn="ctr"/>
+            <a:endParaRPr lang="en-US"/>
+          </a:p>
+        </p:txBody>
+      </p:sp>
+      <p:sp>
+        <p:nvSpPr>
+          <p:cNvPr id="22" name="Oval 21"/>
+          <p:cNvSpPr/>
+          <p:nvPr/>
+        </p:nvSpPr>
+        <p:spPr>
+          <a:xfrm>
+            <a:off x="3434398" y="3457610"/>
+            <a:ext cx="211642" cy="211642"/>
+          </a:xfrm>
+          <a:prstGeom prst="ellipse">
+            <a:avLst/>
+          </a:prstGeom>
+        </p:spPr>
+        <p:style>
+          <a:lnRef idx="2">
+            <a:schemeClr val="dk1">
+              <a:shade val="50000"/>
+            </a:schemeClr>
+          </a:lnRef>
+          <a:fillRef idx="1">
+            <a:schemeClr val="dk1"/>
+          </a:fillRef>
+          <a:effectRef idx="0">
+            <a:schemeClr val="dk1"/>
+          </a:effectRef>
+          <a:fontRef idx="minor">
+            <a:schemeClr val="lt1"/>
+          </a:fontRef>
+        </p:style>
+        <p:txBody>
+          <a:bodyPr rtlCol="0" anchor="ctr"/>
+          <a:lstStyle/>
+          <a:p>
+            <a:pPr algn="ctr"/>
+            <a:endParaRPr lang="en-US"/>
+          </a:p>
+        </p:txBody>
+      </p:sp>
+      <p:sp>
+        <p:nvSpPr>
+          <p:cNvPr id="23" name="Oval 22"/>
+          <p:cNvSpPr/>
+          <p:nvPr/>
+        </p:nvSpPr>
+        <p:spPr>
+          <a:xfrm>
+            <a:off x="449776" y="3457610"/>
+            <a:ext cx="211642" cy="211642"/>
+          </a:xfrm>
+          <a:prstGeom prst="ellipse">
+            <a:avLst/>
+          </a:prstGeom>
+        </p:spPr>
+        <p:style>
+          <a:lnRef idx="2">
+            <a:schemeClr val="dk1">
+              <a:shade val="50000"/>
+            </a:schemeClr>
+          </a:lnRef>
+          <a:fillRef idx="1">
+            <a:schemeClr val="dk1"/>
+          </a:fillRef>
+          <a:effectRef idx="0">
+            <a:schemeClr val="dk1"/>
+          </a:effectRef>
+          <a:fontRef idx="minor">
+            <a:schemeClr val="lt1"/>
+          </a:fontRef>
+        </p:style>
+        <p:txBody>
+          <a:bodyPr rtlCol="0" anchor="ctr"/>
+          <a:lstStyle/>
+          <a:p>
+            <a:pPr algn="ctr"/>
+            <a:endParaRPr lang="en-US"/>
+          </a:p>
+        </p:txBody>
+      </p:sp>
+      <p:sp>
+        <p:nvSpPr>
+          <p:cNvPr id="24" name="Oval 23"/>
+          <p:cNvSpPr/>
+          <p:nvPr/>
+        </p:nvSpPr>
+        <p:spPr>
+          <a:xfrm>
+            <a:off x="449776" y="1673234"/>
+            <a:ext cx="211642" cy="211642"/>
+          </a:xfrm>
+          <a:prstGeom prst="ellipse">
+            <a:avLst/>
+          </a:prstGeom>
+        </p:spPr>
+        <p:style>
+          <a:lnRef idx="2">
+            <a:schemeClr val="dk1">
+              <a:shade val="50000"/>
+            </a:schemeClr>
+          </a:lnRef>
+          <a:fillRef idx="1">
+            <a:schemeClr val="dk1"/>
+          </a:fillRef>
+          <a:effectRef idx="0">
+            <a:schemeClr val="dk1"/>
+          </a:effectRef>
+          <a:fontRef idx="minor">
+            <a:schemeClr val="lt1"/>
+          </a:fontRef>
+        </p:style>
+        <p:txBody>
+          <a:bodyPr rtlCol="0" anchor="ctr"/>
+          <a:lstStyle/>
+          <a:p>
+            <a:pPr algn="ctr"/>
+            <a:endParaRPr lang="en-US"/>
+          </a:p>
+        </p:txBody>
+      </p:sp>
+      <p:sp>
+        <p:nvSpPr>
+          <p:cNvPr id="25" name="Rectangle 24"/>
+          <p:cNvSpPr/>
+          <p:nvPr/>
+        </p:nvSpPr>
+        <p:spPr>
+          <a:xfrm>
+            <a:off x="433480" y="1634750"/>
+            <a:ext cx="3256265" cy="2051295"/>
+          </a:xfrm>
+          <a:prstGeom prst="rect">
+            <a:avLst/>
+          </a:prstGeom>
+          <a:solidFill>
+            <a:schemeClr val="bg2">
+              <a:lumMod val="50000"/>
+              <a:alpha val="82000"/>
+            </a:schemeClr>
+          </a:solidFill>
+        </p:spPr>
+        <p:style>
+          <a:lnRef idx="1">
+            <a:schemeClr val="accent5"/>
+          </a:lnRef>
+          <a:fillRef idx="2">
+            <a:schemeClr val="accent5"/>
+          </a:fillRef>
+          <a:effectRef idx="1">
+            <a:schemeClr val="accent5"/>
+          </a:effectRef>
+          <a:fontRef idx="minor">
+            <a:schemeClr val="dk1"/>
+          </a:fontRef>
+        </p:style>
+        <p:txBody>
+          <a:bodyPr rtlCol="0" anchor="ctr"/>
+          <a:lstStyle/>
+          <a:p>
+            <a:pPr algn="ctr"/>
+            <a:endParaRPr lang="en-US"/>
+          </a:p>
+        </p:txBody>
+      </p:sp>
+      <p:cxnSp>
+        <p:nvCxnSpPr>
+          <p:cNvPr id="26" name="Straight Arrow Connector 25"/>
+          <p:cNvCxnSpPr/>
+          <p:nvPr/>
+        </p:nvCxnSpPr>
+        <p:spPr>
+          <a:xfrm flipV="1">
+            <a:off x="802539" y="2099447"/>
+            <a:ext cx="1911266" cy="1031035"/>
+          </a:xfrm>
+          <a:prstGeom prst="straightConnector1">
+            <a:avLst/>
+          </a:prstGeom>
+          <a:ln>
+            <a:tailEnd type="arrow"/>
+          </a:ln>
+        </p:spPr>
+        <p:style>
+          <a:lnRef idx="3">
+            <a:schemeClr val="accent3"/>
+          </a:lnRef>
+          <a:fillRef idx="0">
+            <a:schemeClr val="accent3"/>
+          </a:fillRef>
+          <a:effectRef idx="2">
+            <a:schemeClr val="accent3"/>
+          </a:effectRef>
+          <a:fontRef idx="minor">
+            <a:schemeClr val="tx1"/>
+          </a:fontRef>
+        </p:style>
+      </p:cxnSp>
+      <p:cxnSp>
+        <p:nvCxnSpPr>
+          <p:cNvPr id="29" name="Straight Arrow Connector 28"/>
+          <p:cNvCxnSpPr/>
+          <p:nvPr/>
+        </p:nvCxnSpPr>
+        <p:spPr>
+          <a:xfrm>
+            <a:off x="433480" y="3686045"/>
+            <a:ext cx="599929" cy="611575"/>
+          </a:xfrm>
+          <a:prstGeom prst="straightConnector1">
+            <a:avLst/>
+          </a:prstGeom>
+          <a:ln>
+            <a:tailEnd type="arrow"/>
+          </a:ln>
+        </p:spPr>
+        <p:style>
+          <a:lnRef idx="3">
+            <a:schemeClr val="accent2"/>
+          </a:lnRef>
+          <a:fillRef idx="0">
+            <a:schemeClr val="accent2"/>
+          </a:fillRef>
+          <a:effectRef idx="2">
+            <a:schemeClr val="accent2"/>
+          </a:effectRef>
+          <a:fontRef idx="minor">
+            <a:schemeClr val="tx1"/>
+          </a:fontRef>
+        </p:style>
+      </p:cxnSp>
+      <p:pic>
+        <p:nvPicPr>
+          <p:cNvPr id="31" name="Picture 30" descr="latex-image-1.pdf"/>
+          <p:cNvPicPr>
+            <a:picLocks noChangeAspect="1"/>
+          </p:cNvPicPr>
+          <p:nvPr/>
+        </p:nvPicPr>
+        <p:blipFill>
+          <a:blip r:embed="rId2">
+            <a:extLst>
+              <a:ext uri="{28A0092B-C50C-407E-A947-70E740481C1C}">
+                <a14:useLocalDpi xmlns:a14="http://schemas.microsoft.com/office/drawing/2010/main" val="0"/>
+              </a:ext>
+            </a:extLst>
+          </a:blip>
+          <a:stretch>
+            <a:fillRect/>
+          </a:stretch>
+        </p:blipFill>
+        <p:spPr>
+          <a:xfrm>
+            <a:off x="586639" y="2889182"/>
+            <a:ext cx="215900" cy="241300"/>
+          </a:xfrm>
+          <a:prstGeom prst="rect">
+            <a:avLst/>
+          </a:prstGeom>
+        </p:spPr>
+      </p:pic>
+      <p:pic>
+        <p:nvPicPr>
+          <p:cNvPr id="32" name="Picture 31" descr="latex-image-1.pdf"/>
+          <p:cNvPicPr>
+            <a:picLocks noChangeAspect="1"/>
+          </p:cNvPicPr>
+          <p:nvPr/>
+        </p:nvPicPr>
+        <p:blipFill>
+          <a:blip r:embed="rId3">
+            <a:extLst>
+              <a:ext uri="{28A0092B-C50C-407E-A947-70E740481C1C}">
+                <a14:useLocalDpi xmlns:a14="http://schemas.microsoft.com/office/drawing/2010/main" val="0"/>
+              </a:ext>
+            </a:extLst>
+          </a:blip>
+          <a:stretch>
+            <a:fillRect/>
+          </a:stretch>
+        </p:blipFill>
+        <p:spPr>
+          <a:xfrm>
+            <a:off x="2631197" y="1688741"/>
+            <a:ext cx="228600" cy="215900"/>
+          </a:xfrm>
+          <a:prstGeom prst="rect">
+            <a:avLst/>
+          </a:prstGeom>
+        </p:spPr>
+      </p:pic>
+      <p:cxnSp>
+        <p:nvCxnSpPr>
+          <p:cNvPr id="34" name="Straight Arrow Connector 33"/>
+          <p:cNvCxnSpPr/>
+          <p:nvPr/>
+        </p:nvCxnSpPr>
+        <p:spPr>
+          <a:xfrm flipV="1">
+            <a:off x="2302004" y="4983530"/>
+            <a:ext cx="1911266" cy="1031035"/>
+          </a:xfrm>
+          <a:prstGeom prst="straightConnector1">
+            <a:avLst/>
+          </a:prstGeom>
+          <a:ln>
+            <a:tailEnd type="arrow"/>
+          </a:ln>
+        </p:spPr>
+        <p:style>
+          <a:lnRef idx="3">
+            <a:schemeClr val="accent3"/>
+          </a:lnRef>
+          <a:fillRef idx="0">
+            <a:schemeClr val="accent3"/>
+          </a:fillRef>
+          <a:effectRef idx="2">
+            <a:schemeClr val="accent3"/>
+          </a:effectRef>
+          <a:fontRef idx="minor">
+            <a:schemeClr val="tx1"/>
+          </a:fontRef>
+        </p:style>
+      </p:cxnSp>
+      <p:cxnSp>
+        <p:nvCxnSpPr>
+          <p:cNvPr id="35" name="Straight Arrow Connector 34"/>
+          <p:cNvCxnSpPr/>
+          <p:nvPr/>
+        </p:nvCxnSpPr>
+        <p:spPr>
+          <a:xfrm>
+            <a:off x="4213270" y="4983530"/>
+            <a:ext cx="599929" cy="611575"/>
+          </a:xfrm>
+          <a:prstGeom prst="straightConnector1">
+            <a:avLst/>
+          </a:prstGeom>
+          <a:ln>
+            <a:tailEnd type="arrow"/>
+          </a:ln>
+        </p:spPr>
+        <p:style>
+          <a:lnRef idx="3">
+            <a:schemeClr val="accent2"/>
+          </a:lnRef>
+          <a:fillRef idx="0">
+            <a:schemeClr val="accent2"/>
+          </a:fillRef>
+          <a:effectRef idx="2">
+            <a:schemeClr val="accent2"/>
+          </a:effectRef>
+          <a:fontRef idx="minor">
+            <a:schemeClr val="tx1"/>
+          </a:fontRef>
+        </p:style>
+      </p:cxnSp>
+      <p:cxnSp>
+        <p:nvCxnSpPr>
+          <p:cNvPr id="36" name="Straight Arrow Connector 35"/>
+          <p:cNvCxnSpPr/>
+          <p:nvPr/>
+        </p:nvCxnSpPr>
+        <p:spPr>
+          <a:xfrm flipV="1">
+            <a:off x="2302004" y="5636157"/>
+            <a:ext cx="2511195" cy="422093"/>
+          </a:xfrm>
+          <a:prstGeom prst="straightConnector1">
+            <a:avLst/>
+          </a:prstGeom>
+          <a:ln>
+            <a:tailEnd type="arrow"/>
+          </a:ln>
+        </p:spPr>
+        <p:style>
+          <a:lnRef idx="3">
+            <a:schemeClr val="dk1"/>
+          </a:lnRef>
+          <a:fillRef idx="0">
+            <a:schemeClr val="dk1"/>
+          </a:fillRef>
+          <a:effectRef idx="2">
+            <a:schemeClr val="dk1"/>
+          </a:effectRef>
+          <a:fontRef idx="minor">
+            <a:schemeClr val="tx1"/>
+          </a:fontRef>
+        </p:style>
+      </p:cxnSp>
+      <p:cxnSp>
+        <p:nvCxnSpPr>
+          <p:cNvPr id="37" name="Straight Arrow Connector 36"/>
+          <p:cNvCxnSpPr/>
+          <p:nvPr/>
+        </p:nvCxnSpPr>
+        <p:spPr>
+          <a:xfrm flipV="1">
+            <a:off x="5168207" y="4709311"/>
+            <a:ext cx="1911266" cy="1031035"/>
+          </a:xfrm>
+          <a:prstGeom prst="straightConnector1">
+            <a:avLst/>
+          </a:prstGeom>
+          <a:ln>
+            <a:tailEnd type="arrow"/>
+          </a:ln>
+        </p:spPr>
+        <p:style>
+          <a:lnRef idx="3">
+            <a:schemeClr val="accent3"/>
+          </a:lnRef>
+          <a:fillRef idx="0">
+            <a:schemeClr val="accent3"/>
+          </a:fillRef>
+          <a:effectRef idx="2">
+            <a:schemeClr val="accent3"/>
+          </a:effectRef>
+          <a:fontRef idx="minor">
+            <a:schemeClr val="tx1"/>
+          </a:fontRef>
+        </p:style>
+      </p:cxnSp>
+      <p:cxnSp>
+        <p:nvCxnSpPr>
+          <p:cNvPr id="38" name="Straight Arrow Connector 37"/>
+          <p:cNvCxnSpPr/>
+          <p:nvPr/>
+        </p:nvCxnSpPr>
+        <p:spPr>
+          <a:xfrm>
+            <a:off x="5168240" y="5733907"/>
+            <a:ext cx="599929" cy="611575"/>
+          </a:xfrm>
+          <a:prstGeom prst="straightConnector1">
+            <a:avLst/>
+          </a:prstGeom>
+          <a:ln>
+            <a:tailEnd type="arrow"/>
+          </a:ln>
+        </p:spPr>
+        <p:style>
+          <a:lnRef idx="3">
+            <a:schemeClr val="accent2"/>
+          </a:lnRef>
+          <a:fillRef idx="0">
+            <a:schemeClr val="accent2"/>
+          </a:fillRef>
+          <a:effectRef idx="2">
+            <a:schemeClr val="accent2"/>
+          </a:effectRef>
+          <a:fontRef idx="minor">
+            <a:schemeClr val="tx1"/>
+          </a:fontRef>
+        </p:style>
+      </p:cxnSp>
+      <p:cxnSp>
+        <p:nvCxnSpPr>
+          <p:cNvPr id="39" name="Straight Arrow Connector 38"/>
+          <p:cNvCxnSpPr/>
+          <p:nvPr/>
+        </p:nvCxnSpPr>
+        <p:spPr>
+          <a:xfrm flipV="1">
+            <a:off x="5168240" y="5318253"/>
+            <a:ext cx="2511195" cy="422093"/>
+          </a:xfrm>
+          <a:prstGeom prst="straightConnector1">
+            <a:avLst/>
+          </a:prstGeom>
+          <a:ln>
+            <a:tailEnd type="arrow"/>
+          </a:ln>
+        </p:spPr>
+        <p:style>
+          <a:lnRef idx="3">
+            <a:schemeClr val="dk1"/>
+          </a:lnRef>
+          <a:fillRef idx="0">
+            <a:schemeClr val="dk1"/>
+          </a:fillRef>
+          <a:effectRef idx="2">
+            <a:schemeClr val="dk1"/>
+          </a:effectRef>
+          <a:fontRef idx="minor">
+            <a:schemeClr val="tx1"/>
+          </a:fontRef>
+        </p:style>
+      </p:cxnSp>
+      <p:cxnSp>
+        <p:nvCxnSpPr>
+          <p:cNvPr id="40" name="Straight Arrow Connector 39"/>
+          <p:cNvCxnSpPr/>
+          <p:nvPr/>
+        </p:nvCxnSpPr>
+        <p:spPr>
+          <a:xfrm>
+            <a:off x="7074510" y="4738516"/>
+            <a:ext cx="599929" cy="611575"/>
+          </a:xfrm>
+          <a:prstGeom prst="straightConnector1">
+            <a:avLst/>
+          </a:prstGeom>
+          <a:ln>
+            <a:solidFill>
+              <a:srgbClr val="4A452A"/>
+            </a:solidFill>
+            <a:prstDash val="dash"/>
+            <a:headEnd type="none"/>
+            <a:tailEnd type="none"/>
+          </a:ln>
+        </p:spPr>
+        <p:style>
+          <a:lnRef idx="3">
+            <a:schemeClr val="accent2"/>
+          </a:lnRef>
+          <a:fillRef idx="0">
+            <a:schemeClr val="accent2"/>
+          </a:fillRef>
+          <a:effectRef idx="2">
+            <a:schemeClr val="accent2"/>
+          </a:effectRef>
+          <a:fontRef idx="minor">
+            <a:schemeClr val="tx1"/>
+          </a:fontRef>
+        </p:style>
+      </p:cxnSp>
+      <p:cxnSp>
+        <p:nvCxnSpPr>
+          <p:cNvPr id="41" name="Straight Arrow Connector 40"/>
+          <p:cNvCxnSpPr/>
+          <p:nvPr/>
+        </p:nvCxnSpPr>
+        <p:spPr>
+          <a:xfrm flipV="1">
+            <a:off x="5763173" y="5314447"/>
+            <a:ext cx="1911266" cy="1031035"/>
+          </a:xfrm>
+          <a:prstGeom prst="straightConnector1">
+            <a:avLst/>
+          </a:prstGeom>
+          <a:ln>
+            <a:prstDash val="dash"/>
+            <a:headEnd type="none"/>
+            <a:tailEnd type="none"/>
+          </a:ln>
+        </p:spPr>
+        <p:style>
+          <a:lnRef idx="3">
+            <a:schemeClr val="accent3"/>
+          </a:lnRef>
+          <a:fillRef idx="0">
+            <a:schemeClr val="accent3"/>
+          </a:fillRef>
+          <a:effectRef idx="2">
+            <a:schemeClr val="accent3"/>
+          </a:effectRef>
+          <a:fontRef idx="minor">
+            <a:schemeClr val="tx1"/>
+          </a:fontRef>
+        </p:style>
+      </p:cxnSp>
+      <p:cxnSp>
+        <p:nvCxnSpPr>
+          <p:cNvPr id="42" name="Straight Arrow Connector 41"/>
+          <p:cNvCxnSpPr/>
+          <p:nvPr/>
+        </p:nvCxnSpPr>
+        <p:spPr>
+          <a:xfrm flipV="1">
+            <a:off x="77776" y="4738516"/>
+            <a:ext cx="1911266" cy="1031035"/>
+          </a:xfrm>
+          <a:prstGeom prst="straightConnector1">
+            <a:avLst/>
+          </a:prstGeom>
+          <a:ln>
+            <a:tailEnd type="arrow"/>
+          </a:ln>
+        </p:spPr>
+        <p:style>
+          <a:lnRef idx="3">
+            <a:schemeClr val="accent3"/>
+          </a:lnRef>
+          <a:fillRef idx="0">
+            <a:schemeClr val="accent3"/>
+          </a:fillRef>
+          <a:effectRef idx="2">
+            <a:schemeClr val="accent3"/>
+          </a:effectRef>
+          <a:fontRef idx="minor">
+            <a:schemeClr val="tx1"/>
+          </a:fontRef>
+        </p:style>
+      </p:cxnSp>
+      <p:cxnSp>
+        <p:nvCxnSpPr>
+          <p:cNvPr id="43" name="Straight Arrow Connector 42"/>
+          <p:cNvCxnSpPr/>
+          <p:nvPr/>
+        </p:nvCxnSpPr>
+        <p:spPr>
+          <a:xfrm>
+            <a:off x="802539" y="5702810"/>
+            <a:ext cx="599929" cy="611575"/>
+          </a:xfrm>
+          <a:prstGeom prst="straightConnector1">
+            <a:avLst/>
+          </a:prstGeom>
+          <a:ln>
+            <a:tailEnd type="arrow"/>
+          </a:ln>
+        </p:spPr>
+        <p:style>
+          <a:lnRef idx="3">
+            <a:schemeClr val="accent2"/>
+          </a:lnRef>
+          <a:fillRef idx="0">
+            <a:schemeClr val="accent2"/>
+          </a:fillRef>
+          <a:effectRef idx="2">
+            <a:schemeClr val="accent2"/>
+          </a:effectRef>
+          <a:fontRef idx="minor">
+            <a:schemeClr val="tx1"/>
+          </a:fontRef>
+        </p:style>
+      </p:cxnSp>
+      <p:pic>
+        <p:nvPicPr>
+          <p:cNvPr id="44" name="Picture 43" descr="latex-image-1.pdf"/>
+          <p:cNvPicPr>
+            <a:picLocks noChangeAspect="1"/>
+          </p:cNvPicPr>
+          <p:nvPr/>
+        </p:nvPicPr>
+        <p:blipFill>
+          <a:blip r:embed="rId5">
+            <a:extLst>
+              <a:ext uri="{28A0092B-C50C-407E-A947-70E740481C1C}">
+                <a14:useLocalDpi xmlns:a14="http://schemas.microsoft.com/office/drawing/2010/main" val="0"/>
+              </a:ext>
+            </a:extLst>
+          </a:blip>
+          <a:stretch>
+            <a:fillRect/>
+          </a:stretch>
+        </p:blipFill>
+        <p:spPr>
+          <a:xfrm>
+            <a:off x="675539" y="4831130"/>
+            <a:ext cx="254000" cy="304800"/>
+          </a:xfrm>
+          <a:prstGeom prst="rect">
+            <a:avLst/>
+          </a:prstGeom>
+        </p:spPr>
+      </p:pic>
+      <p:pic>
+        <p:nvPicPr>
+          <p:cNvPr id="45" name="Picture 44" descr="latex-image-1.pdf"/>
+          <p:cNvPicPr>
+            <a:picLocks noChangeAspect="1"/>
+          </p:cNvPicPr>
+          <p:nvPr/>
+        </p:nvPicPr>
+        <p:blipFill>
+          <a:blip r:embed="rId6">
+            <a:extLst>
+              <a:ext uri="{28A0092B-C50C-407E-A947-70E740481C1C}">
+                <a14:useLocalDpi xmlns:a14="http://schemas.microsoft.com/office/drawing/2010/main" val="0"/>
+              </a:ext>
+            </a:extLst>
+          </a:blip>
+          <a:stretch>
+            <a:fillRect/>
+          </a:stretch>
+        </p:blipFill>
+        <p:spPr>
+          <a:xfrm>
+            <a:off x="661418" y="6009585"/>
+            <a:ext cx="241300" cy="304800"/>
+          </a:xfrm>
+          <a:prstGeom prst="rect">
+            <a:avLst/>
+          </a:prstGeom>
+        </p:spPr>
+      </p:pic>
+      <p:pic>
+        <p:nvPicPr>
+          <p:cNvPr id="46" name="Picture 45" descr="latex-image-1.pdf"/>
+          <p:cNvPicPr>
+            <a:picLocks noChangeAspect="1"/>
+          </p:cNvPicPr>
+          <p:nvPr/>
+        </p:nvPicPr>
+        <p:blipFill>
+          <a:blip r:embed="rId7">
+            <a:extLst>
+              <a:ext uri="{28A0092B-C50C-407E-A947-70E740481C1C}">
+                <a14:useLocalDpi xmlns:a14="http://schemas.microsoft.com/office/drawing/2010/main" val="0"/>
+              </a:ext>
+            </a:extLst>
+          </a:blip>
+          <a:stretch>
+            <a:fillRect/>
+          </a:stretch>
+        </p:blipFill>
+        <p:spPr>
+          <a:xfrm>
+            <a:off x="3689745" y="5404527"/>
+            <a:ext cx="228600" cy="317500"/>
+          </a:xfrm>
+          <a:prstGeom prst="rect">
+            <a:avLst/>
+          </a:prstGeom>
+        </p:spPr>
+      </p:pic>
+      <p:pic>
+        <p:nvPicPr>
+          <p:cNvPr id="47" name="Picture 46" descr="latex-image-1.pdf"/>
+          <p:cNvPicPr>
+            <a:picLocks noChangeAspect="1"/>
+          </p:cNvPicPr>
+          <p:nvPr/>
+        </p:nvPicPr>
+        <p:blipFill>
+          <a:blip r:embed="rId7">
+            <a:extLst>
+              <a:ext uri="{28A0092B-C50C-407E-A947-70E740481C1C}">
+                <a14:useLocalDpi xmlns:a14="http://schemas.microsoft.com/office/drawing/2010/main" val="0"/>
+              </a:ext>
+            </a:extLst>
+          </a:blip>
+          <a:stretch>
+            <a:fillRect/>
+          </a:stretch>
+        </p:blipFill>
+        <p:spPr>
+          <a:xfrm>
+            <a:off x="6672337" y="5071790"/>
+            <a:ext cx="228600" cy="317500"/>
+          </a:xfrm>
+          <a:prstGeom prst="rect">
+            <a:avLst/>
+          </a:prstGeom>
+        </p:spPr>
+      </p:pic>
+      <p:pic>
+        <p:nvPicPr>
+          <p:cNvPr id="48" name="Picture 47" descr="latex-image-1.pdf"/>
+          <p:cNvPicPr>
+            <a:picLocks noChangeAspect="1"/>
+          </p:cNvPicPr>
+          <p:nvPr/>
+        </p:nvPicPr>
+        <p:blipFill>
+          <a:blip r:embed="rId5">
+            <a:extLst>
+              <a:ext uri="{28A0092B-C50C-407E-A947-70E740481C1C}">
+                <a14:useLocalDpi xmlns:a14="http://schemas.microsoft.com/office/drawing/2010/main" val="0"/>
+              </a:ext>
+            </a:extLst>
+          </a:blip>
+          <a:stretch>
+            <a:fillRect/>
+          </a:stretch>
+        </p:blipFill>
+        <p:spPr>
+          <a:xfrm>
+            <a:off x="2957583" y="5127959"/>
+            <a:ext cx="254000" cy="304800"/>
+          </a:xfrm>
+          <a:prstGeom prst="rect">
+            <a:avLst/>
+          </a:prstGeom>
+        </p:spPr>
+      </p:pic>
+      <p:pic>
+        <p:nvPicPr>
+          <p:cNvPr id="49" name="Picture 48" descr="latex-image-1.pdf"/>
+          <p:cNvPicPr>
+            <a:picLocks noChangeAspect="1"/>
+          </p:cNvPicPr>
+          <p:nvPr/>
+        </p:nvPicPr>
+        <p:blipFill>
+          <a:blip r:embed="rId6">
+            <a:extLst>
+              <a:ext uri="{28A0092B-C50C-407E-A947-70E740481C1C}">
+                <a14:useLocalDpi xmlns:a14="http://schemas.microsoft.com/office/drawing/2010/main" val="0"/>
+              </a:ext>
+            </a:extLst>
+          </a:blip>
+          <a:stretch>
+            <a:fillRect/>
+          </a:stretch>
+        </p:blipFill>
+        <p:spPr>
+          <a:xfrm>
+            <a:off x="4571899" y="4919390"/>
+            <a:ext cx="241300" cy="304800"/>
+          </a:xfrm>
+          <a:prstGeom prst="rect">
+            <a:avLst/>
+          </a:prstGeom>
+        </p:spPr>
+      </p:pic>
+      <p:pic>
+        <p:nvPicPr>
+          <p:cNvPr id="50" name="Picture 49" descr="latex-image-1.pdf"/>
+          <p:cNvPicPr>
+            <a:picLocks noChangeAspect="1"/>
+          </p:cNvPicPr>
+          <p:nvPr/>
+        </p:nvPicPr>
+        <p:blipFill>
+          <a:blip r:embed="rId6">
+            <a:extLst>
+              <a:ext uri="{28A0092B-C50C-407E-A947-70E740481C1C}">
+                <a14:useLocalDpi xmlns:a14="http://schemas.microsoft.com/office/drawing/2010/main" val="0"/>
+              </a:ext>
+            </a:extLst>
+          </a:blip>
+          <a:stretch>
+            <a:fillRect/>
+          </a:stretch>
+        </p:blipFill>
+        <p:spPr>
+          <a:xfrm>
+            <a:off x="5174078" y="6040682"/>
+            <a:ext cx="241300" cy="304800"/>
+          </a:xfrm>
+          <a:prstGeom prst="rect">
+            <a:avLst/>
+          </a:prstGeom>
+        </p:spPr>
+      </p:pic>
+      <p:pic>
+        <p:nvPicPr>
+          <p:cNvPr id="51" name="Picture 50" descr="latex-image-1.pdf"/>
+          <p:cNvPicPr>
+            <a:picLocks noChangeAspect="1"/>
+          </p:cNvPicPr>
+          <p:nvPr/>
+        </p:nvPicPr>
+        <p:blipFill>
+          <a:blip r:embed="rId5">
+            <a:extLst>
+              <a:ext uri="{28A0092B-C50C-407E-A947-70E740481C1C}">
+                <a14:useLocalDpi xmlns:a14="http://schemas.microsoft.com/office/drawing/2010/main" val="0"/>
+              </a:ext>
+            </a:extLst>
+          </a:blip>
+          <a:stretch>
+            <a:fillRect/>
+          </a:stretch>
+        </p:blipFill>
+        <p:spPr>
+          <a:xfrm>
+            <a:off x="5763173" y="4874728"/>
+            <a:ext cx="254000" cy="304800"/>
+          </a:xfrm>
+          <a:prstGeom prst="rect">
+            <a:avLst/>
+          </a:prstGeom>
+        </p:spPr>
+      </p:pic>
+    </p:spTree>
+    <p:extLst>
+      <p:ext uri="{BB962C8B-B14F-4D97-AF65-F5344CB8AC3E}">
+        <p14:creationId xmlns:p14="http://schemas.microsoft.com/office/powerpoint/2010/main" val="4131802289"/>
+      </p:ext>
+    </p:extLst>
+  </p:cSld>
+  <p:clrMapOvr>
+    <a:masterClrMapping/>
+  </p:clrMapOvr>
+</p:sld>
+</file>
+
+<file path=ppt/slides/slide3.xml><?xml version="1.0" encoding="utf-8"?>
+<p:sld xmlns:a="http://schemas.openxmlformats.org/drawingml/2006/main" xmlns:r="http://schemas.openxmlformats.org/officeDocument/2006/relationships" xmlns:p="http://schemas.openxmlformats.org/presentationml/2006/main">
+  <p:cSld>
+    <p:spTree>
+      <p:nvGrpSpPr>
+        <p:cNvPr id="1" name=""/>
+        <p:cNvGrpSpPr/>
+        <p:nvPr/>
+      </p:nvGrpSpPr>
+      <p:grpSpPr>
+        <a:xfrm>
+          <a:off x="0" y="0"/>
+          <a:ext cx="0" cy="0"/>
+          <a:chOff x="0" y="0"/>
+          <a:chExt cx="0" cy="0"/>
+        </a:xfrm>
+      </p:grpSpPr>
+      <p:cxnSp>
+        <p:nvCxnSpPr>
+          <p:cNvPr id="4" name="Straight Arrow Connector 3"/>
+          <p:cNvCxnSpPr/>
+          <p:nvPr/>
+        </p:nvCxnSpPr>
+        <p:spPr>
+          <a:xfrm flipV="1">
+            <a:off x="809950" y="787589"/>
+            <a:ext cx="1911266" cy="1031035"/>
+          </a:xfrm>
+          <a:prstGeom prst="straightConnector1">
+            <a:avLst/>
+          </a:prstGeom>
+          <a:ln>
+            <a:tailEnd type="arrow"/>
+          </a:ln>
+        </p:spPr>
+        <p:style>
+          <a:lnRef idx="3">
+            <a:schemeClr val="accent3"/>
+          </a:lnRef>
+          <a:fillRef idx="0">
+            <a:schemeClr val="accent3"/>
+          </a:fillRef>
+          <a:effectRef idx="2">
+            <a:schemeClr val="accent3"/>
+          </a:effectRef>
+          <a:fontRef idx="minor">
+            <a:schemeClr val="tx1"/>
+          </a:fontRef>
+        </p:style>
+      </p:cxnSp>
+      <p:pic>
+        <p:nvPicPr>
+          <p:cNvPr id="5" name="Picture 4" descr="latex-image-1.pdf"/>
+          <p:cNvPicPr>
+            <a:picLocks noChangeAspect="1"/>
+          </p:cNvPicPr>
+          <p:nvPr/>
+        </p:nvPicPr>
+        <p:blipFill>
+          <a:blip r:embed="rId2">
+            <a:extLst>
+              <a:ext uri="{28A0092B-C50C-407E-A947-70E740481C1C}">
+                <a14:useLocalDpi xmlns:a14="http://schemas.microsoft.com/office/drawing/2010/main" val="0"/>
+              </a:ext>
+            </a:extLst>
+          </a:blip>
+          <a:stretch>
+            <a:fillRect/>
+          </a:stretch>
+        </p:blipFill>
+        <p:spPr>
+          <a:xfrm>
+            <a:off x="1407713" y="880203"/>
+            <a:ext cx="254000" cy="304800"/>
+          </a:xfrm>
+          <a:prstGeom prst="rect">
+            <a:avLst/>
+          </a:prstGeom>
+        </p:spPr>
+      </p:pic>
+      <p:cxnSp>
+        <p:nvCxnSpPr>
+          <p:cNvPr id="6" name="Straight Arrow Connector 5"/>
+          <p:cNvCxnSpPr/>
+          <p:nvPr/>
+        </p:nvCxnSpPr>
+        <p:spPr>
+          <a:xfrm flipV="1">
+            <a:off x="861266" y="991299"/>
+            <a:ext cx="1911266" cy="1031035"/>
+          </a:xfrm>
+          <a:prstGeom prst="straightConnector1">
+            <a:avLst/>
+          </a:prstGeom>
+          <a:ln>
+            <a:headEnd type="arrow"/>
+            <a:tailEnd type="none"/>
+          </a:ln>
+        </p:spPr>
+        <p:style>
+          <a:lnRef idx="3">
+            <a:schemeClr val="accent3"/>
+          </a:lnRef>
+          <a:fillRef idx="0">
+            <a:schemeClr val="accent3"/>
+          </a:fillRef>
+          <a:effectRef idx="2">
+            <a:schemeClr val="accent3"/>
+          </a:effectRef>
+          <a:fontRef idx="minor">
+            <a:schemeClr val="tx1"/>
+          </a:fontRef>
+        </p:style>
+      </p:cxnSp>
+      <p:pic>
+        <p:nvPicPr>
+          <p:cNvPr id="8" name="Picture 7" descr="latex-image-1.pdf"/>
+          <p:cNvPicPr>
+            <a:picLocks noChangeAspect="1"/>
+          </p:cNvPicPr>
+          <p:nvPr/>
+        </p:nvPicPr>
+        <p:blipFill>
+          <a:blip r:embed="rId3">
+            <a:extLst>
+              <a:ext uri="{28A0092B-C50C-407E-A947-70E740481C1C}">
+                <a14:useLocalDpi xmlns:a14="http://schemas.microsoft.com/office/drawing/2010/main" val="0"/>
+              </a:ext>
+            </a:extLst>
+          </a:blip>
+          <a:stretch>
+            <a:fillRect/>
+          </a:stretch>
+        </p:blipFill>
+        <p:spPr>
+          <a:xfrm>
+            <a:off x="1779232" y="1513824"/>
+            <a:ext cx="469900" cy="304800"/>
+          </a:xfrm>
+          <a:prstGeom prst="rect">
+            <a:avLst/>
+          </a:prstGeom>
+        </p:spPr>
+      </p:pic>
+      <p:cxnSp>
+        <p:nvCxnSpPr>
+          <p:cNvPr id="9" name="Straight Arrow Connector 8"/>
+          <p:cNvCxnSpPr/>
+          <p:nvPr/>
+        </p:nvCxnSpPr>
+        <p:spPr>
+          <a:xfrm flipV="1">
+            <a:off x="5239887" y="2395816"/>
+            <a:ext cx="1911266" cy="1031035"/>
+          </a:xfrm>
+          <a:prstGeom prst="straightConnector1">
+            <a:avLst/>
+          </a:prstGeom>
+          <a:ln>
+            <a:tailEnd type="arrow"/>
+          </a:ln>
+        </p:spPr>
+        <p:style>
+          <a:lnRef idx="3">
+            <a:schemeClr val="accent3"/>
+          </a:lnRef>
+          <a:fillRef idx="0">
+            <a:schemeClr val="accent3"/>
+          </a:fillRef>
+          <a:effectRef idx="2">
+            <a:schemeClr val="accent3"/>
+          </a:effectRef>
+          <a:fontRef idx="minor">
+            <a:schemeClr val="tx1"/>
+          </a:fontRef>
+        </p:style>
+      </p:cxnSp>
+      <p:cxnSp>
+        <p:nvCxnSpPr>
+          <p:cNvPr id="10" name="Straight Arrow Connector 9"/>
+          <p:cNvCxnSpPr/>
+          <p:nvPr/>
+        </p:nvCxnSpPr>
+        <p:spPr>
+          <a:xfrm>
+            <a:off x="5239887" y="3470536"/>
+            <a:ext cx="599929" cy="611575"/>
+          </a:xfrm>
+          <a:prstGeom prst="straightConnector1">
+            <a:avLst/>
+          </a:prstGeom>
+          <a:ln>
+            <a:tailEnd type="arrow"/>
+          </a:ln>
+        </p:spPr>
+        <p:style>
+          <a:lnRef idx="3">
+            <a:schemeClr val="accent2"/>
+          </a:lnRef>
+          <a:fillRef idx="0">
+            <a:schemeClr val="accent2"/>
+          </a:fillRef>
+          <a:effectRef idx="2">
+            <a:schemeClr val="accent2"/>
+          </a:effectRef>
+          <a:fontRef idx="minor">
+            <a:schemeClr val="tx1"/>
+          </a:fontRef>
+        </p:style>
+      </p:cxnSp>
+      <p:cxnSp>
+        <p:nvCxnSpPr>
+          <p:cNvPr id="11" name="Straight Arrow Connector 10"/>
+          <p:cNvCxnSpPr/>
+          <p:nvPr/>
+        </p:nvCxnSpPr>
+        <p:spPr>
+          <a:xfrm flipV="1">
+            <a:off x="5239887" y="1777234"/>
+            <a:ext cx="1276679" cy="1693303"/>
+          </a:xfrm>
+          <a:prstGeom prst="straightConnector1">
+            <a:avLst/>
+          </a:prstGeom>
+          <a:ln>
+            <a:tailEnd type="arrow"/>
+          </a:ln>
+        </p:spPr>
+        <p:style>
+          <a:lnRef idx="3">
+            <a:schemeClr val="dk1"/>
+          </a:lnRef>
+          <a:fillRef idx="0">
+            <a:schemeClr val="dk1"/>
+          </a:fillRef>
+          <a:effectRef idx="2">
+            <a:schemeClr val="dk1"/>
+          </a:effectRef>
+          <a:fontRef idx="minor">
+            <a:schemeClr val="tx1"/>
+          </a:fontRef>
+        </p:style>
+      </p:cxnSp>
+      <p:pic>
+        <p:nvPicPr>
+          <p:cNvPr id="12" name="Picture 11" descr="latex-image-1.pdf"/>
+          <p:cNvPicPr>
+            <a:picLocks noChangeAspect="1"/>
+          </p:cNvPicPr>
+          <p:nvPr/>
+        </p:nvPicPr>
+        <p:blipFill>
+          <a:blip r:embed="rId4">
+            <a:extLst>
+              <a:ext uri="{28A0092B-C50C-407E-A947-70E740481C1C}">
+                <a14:useLocalDpi xmlns:a14="http://schemas.microsoft.com/office/drawing/2010/main" val="0"/>
+              </a:ext>
+            </a:extLst>
+          </a:blip>
+          <a:stretch>
+            <a:fillRect/>
+          </a:stretch>
+        </p:blipFill>
+        <p:spPr>
+          <a:xfrm>
+            <a:off x="5725516" y="2071309"/>
+            <a:ext cx="228600" cy="317500"/>
+          </a:xfrm>
+          <a:prstGeom prst="rect">
+            <a:avLst/>
+          </a:prstGeom>
+        </p:spPr>
+      </p:pic>
+      <p:pic>
+        <p:nvPicPr>
+          <p:cNvPr id="13" name="Picture 12" descr="latex-image-1.pdf"/>
+          <p:cNvPicPr>
+            <a:picLocks noChangeAspect="1"/>
+          </p:cNvPicPr>
+          <p:nvPr/>
+        </p:nvPicPr>
+        <p:blipFill>
+          <a:blip r:embed="rId2">
+            <a:extLst>
+              <a:ext uri="{28A0092B-C50C-407E-A947-70E740481C1C}">
+                <a14:useLocalDpi xmlns:a14="http://schemas.microsoft.com/office/drawing/2010/main" val="0"/>
+              </a:ext>
+            </a:extLst>
+          </a:blip>
+          <a:stretch>
+            <a:fillRect/>
+          </a:stretch>
+        </p:blipFill>
+        <p:spPr>
+          <a:xfrm>
+            <a:off x="6262566" y="2388809"/>
+            <a:ext cx="254000" cy="304800"/>
+          </a:xfrm>
+          <a:prstGeom prst="rect">
+            <a:avLst/>
+          </a:prstGeom>
+        </p:spPr>
+      </p:pic>
+      <p:pic>
+        <p:nvPicPr>
+          <p:cNvPr id="14" name="Picture 13" descr="latex-image-1.pdf"/>
+          <p:cNvPicPr>
+            <a:picLocks noChangeAspect="1"/>
+          </p:cNvPicPr>
+          <p:nvPr/>
+        </p:nvPicPr>
+        <p:blipFill>
+          <a:blip r:embed="rId5">
+            <a:extLst>
+              <a:ext uri="{28A0092B-C50C-407E-A947-70E740481C1C}">
+                <a14:useLocalDpi xmlns:a14="http://schemas.microsoft.com/office/drawing/2010/main" val="0"/>
+              </a:ext>
+            </a:extLst>
+          </a:blip>
+          <a:stretch>
+            <a:fillRect/>
+          </a:stretch>
+        </p:blipFill>
+        <p:spPr>
+          <a:xfrm>
+            <a:off x="5119237" y="3693590"/>
+            <a:ext cx="241300" cy="304800"/>
+          </a:xfrm>
+          <a:prstGeom prst="rect">
+            <a:avLst/>
+          </a:prstGeom>
+        </p:spPr>
+      </p:pic>
+      <p:cxnSp>
+        <p:nvCxnSpPr>
+          <p:cNvPr id="15" name="Straight Arrow Connector 14"/>
+          <p:cNvCxnSpPr/>
+          <p:nvPr/>
+        </p:nvCxnSpPr>
+        <p:spPr>
+          <a:xfrm>
+            <a:off x="6516566" y="1777234"/>
+            <a:ext cx="599929" cy="611575"/>
+          </a:xfrm>
+          <a:prstGeom prst="straightConnector1">
+            <a:avLst/>
+          </a:prstGeom>
+          <a:ln>
+            <a:headEnd type="arrow"/>
+            <a:tailEnd type="none"/>
+          </a:ln>
+        </p:spPr>
+        <p:style>
+          <a:lnRef idx="3">
+            <a:schemeClr val="accent2"/>
+          </a:lnRef>
+          <a:fillRef idx="0">
+            <a:schemeClr val="accent2"/>
+          </a:fillRef>
+          <a:effectRef idx="2">
+            <a:schemeClr val="accent2"/>
+          </a:effectRef>
+          <a:fontRef idx="minor">
+            <a:schemeClr val="tx1"/>
+          </a:fontRef>
+        </p:style>
+      </p:cxnSp>
+      <p:pic>
+        <p:nvPicPr>
+          <p:cNvPr id="16" name="Picture 15" descr="latex-image-1.pdf"/>
+          <p:cNvPicPr>
+            <a:picLocks noChangeAspect="1"/>
+          </p:cNvPicPr>
+          <p:nvPr/>
+        </p:nvPicPr>
+        <p:blipFill>
+          <a:blip r:embed="rId6">
+            <a:extLst>
+              <a:ext uri="{28A0092B-C50C-407E-A947-70E740481C1C}">
+                <a14:useLocalDpi xmlns:a14="http://schemas.microsoft.com/office/drawing/2010/main" val="0"/>
+              </a:ext>
+            </a:extLst>
+          </a:blip>
+          <a:stretch>
+            <a:fillRect/>
+          </a:stretch>
+        </p:blipFill>
+        <p:spPr>
+          <a:xfrm>
+            <a:off x="6897946" y="1643476"/>
+            <a:ext cx="444500" cy="304800"/>
+          </a:xfrm>
+          <a:prstGeom prst="rect">
+            <a:avLst/>
+          </a:prstGeom>
+        </p:spPr>
+      </p:pic>
+      <p:sp>
+        <p:nvSpPr>
+          <p:cNvPr id="18" name="Oval 17"/>
+          <p:cNvSpPr/>
+          <p:nvPr/>
+        </p:nvSpPr>
+        <p:spPr>
+          <a:xfrm>
+            <a:off x="2249132" y="4515344"/>
+            <a:ext cx="523400" cy="523400"/>
+          </a:xfrm>
+          <a:prstGeom prst="ellipse">
+            <a:avLst/>
+          </a:prstGeom>
+          <a:noFill/>
+          <a:ln w="28575" cmpd="sng">
+            <a:solidFill>
+              <a:srgbClr val="000000"/>
+            </a:solidFill>
+          </a:ln>
+        </p:spPr>
+        <p:style>
+          <a:lnRef idx="1">
+            <a:schemeClr val="accent1"/>
+          </a:lnRef>
+          <a:fillRef idx="3">
+            <a:schemeClr val="accent1"/>
+          </a:fillRef>
+          <a:effectRef idx="2">
+            <a:schemeClr val="accent1"/>
+          </a:effectRef>
+          <a:fontRef idx="minor">
+            <a:schemeClr val="lt1"/>
+          </a:fontRef>
+        </p:style>
+        <p:txBody>
+          <a:bodyPr rtlCol="0" anchor="ctr"/>
+          <a:lstStyle/>
+          <a:p>
+            <a:pPr algn="ctr"/>
+            <a:endParaRPr lang="en-US"/>
+          </a:p>
+        </p:txBody>
+      </p:sp>
+      <p:grpSp>
+        <p:nvGrpSpPr>
+          <p:cNvPr id="22" name="Group 21"/>
+          <p:cNvGrpSpPr/>
+          <p:nvPr/>
+        </p:nvGrpSpPr>
+        <p:grpSpPr>
+          <a:xfrm>
+            <a:off x="2362909" y="4629121"/>
+            <a:ext cx="295846" cy="295846"/>
+            <a:chOff x="3924955" y="4591544"/>
+            <a:chExt cx="523400" cy="523400"/>
+          </a:xfrm>
+        </p:grpSpPr>
+        <p:cxnSp>
+          <p:nvCxnSpPr>
+            <p:cNvPr id="20" name="Straight Connector 19"/>
+            <p:cNvCxnSpPr/>
+            <p:nvPr/>
+          </p:nvCxnSpPr>
+          <p:spPr>
+            <a:xfrm>
+              <a:off x="3924955" y="4591544"/>
+              <a:ext cx="523400" cy="523400"/>
+            </a:xfrm>
+            <a:prstGeom prst="line">
+              <a:avLst/>
+            </a:prstGeom>
+            <a:ln>
+              <a:solidFill>
+                <a:srgbClr val="000000"/>
+              </a:solidFill>
+            </a:ln>
+          </p:spPr>
+          <p:style>
+            <a:lnRef idx="2">
+              <a:schemeClr val="accent1"/>
+            </a:lnRef>
+            <a:fillRef idx="0">
+              <a:schemeClr val="accent1"/>
+            </a:fillRef>
+            <a:effectRef idx="1">
+              <a:schemeClr val="accent1"/>
+            </a:effectRef>
+            <a:fontRef idx="minor">
+              <a:schemeClr val="tx1"/>
+            </a:fontRef>
+          </p:style>
+        </p:cxnSp>
+        <p:cxnSp>
+          <p:nvCxnSpPr>
+            <p:cNvPr id="21" name="Straight Connector 20"/>
+            <p:cNvCxnSpPr/>
+            <p:nvPr/>
+          </p:nvCxnSpPr>
+          <p:spPr>
+            <a:xfrm flipV="1">
+              <a:off x="3924955" y="4591544"/>
+              <a:ext cx="523400" cy="523400"/>
+            </a:xfrm>
+            <a:prstGeom prst="line">
+              <a:avLst/>
+            </a:prstGeom>
+            <a:ln>
+              <a:solidFill>
+                <a:srgbClr val="000000"/>
+              </a:solidFill>
+            </a:ln>
+          </p:spPr>
+          <p:style>
+            <a:lnRef idx="2">
+              <a:schemeClr val="accent1"/>
+            </a:lnRef>
+            <a:fillRef idx="0">
+              <a:schemeClr val="accent1"/>
+            </a:fillRef>
+            <a:effectRef idx="1">
+              <a:schemeClr val="accent1"/>
+            </a:effectRef>
+            <a:fontRef idx="minor">
+              <a:schemeClr val="tx1"/>
+            </a:fontRef>
+          </p:style>
+        </p:cxnSp>
+      </p:grpSp>
+      <p:sp>
+        <p:nvSpPr>
+          <p:cNvPr id="23" name="Oval 22"/>
+          <p:cNvSpPr/>
+          <p:nvPr/>
+        </p:nvSpPr>
+        <p:spPr>
+          <a:xfrm>
+            <a:off x="3347964" y="4515344"/>
+            <a:ext cx="523400" cy="523400"/>
+          </a:xfrm>
+          <a:prstGeom prst="ellipse">
+            <a:avLst/>
+          </a:prstGeom>
+          <a:noFill/>
+          <a:ln w="28575" cmpd="sng">
+            <a:solidFill>
+              <a:srgbClr val="000000"/>
+            </a:solidFill>
+          </a:ln>
+        </p:spPr>
+        <p:style>
+          <a:lnRef idx="1">
+            <a:schemeClr val="accent1"/>
+          </a:lnRef>
+          <a:fillRef idx="3">
+            <a:schemeClr val="accent1"/>
+          </a:fillRef>
+          <a:effectRef idx="2">
+            <a:schemeClr val="accent1"/>
+          </a:effectRef>
+          <a:fontRef idx="minor">
+            <a:schemeClr val="lt1"/>
+          </a:fontRef>
+        </p:style>
+        <p:txBody>
+          <a:bodyPr rtlCol="0" anchor="ctr"/>
+          <a:lstStyle/>
+          <a:p>
+            <a:pPr algn="ctr"/>
+            <a:endParaRPr lang="en-US"/>
+          </a:p>
+        </p:txBody>
+      </p:sp>
+      <p:sp>
+        <p:nvSpPr>
+          <p:cNvPr id="24" name="Oval 23"/>
+          <p:cNvSpPr/>
+          <p:nvPr/>
+        </p:nvSpPr>
+        <p:spPr>
+          <a:xfrm>
+            <a:off x="3551103" y="4718483"/>
+            <a:ext cx="117122" cy="117122"/>
+          </a:xfrm>
+          <a:prstGeom prst="ellipse">
+            <a:avLst/>
+          </a:prstGeom>
+        </p:spPr>
+        <p:style>
+          <a:lnRef idx="2">
+            <a:schemeClr val="dk1">
+              <a:shade val="50000"/>
+            </a:schemeClr>
+          </a:lnRef>
+          <a:fillRef idx="1">
+            <a:schemeClr val="dk1"/>
+          </a:fillRef>
+          <a:effectRef idx="0">
+            <a:schemeClr val="dk1"/>
+          </a:effectRef>
+          <a:fontRef idx="minor">
+            <a:schemeClr val="lt1"/>
+          </a:fontRef>
+        </p:style>
+        <p:txBody>
+          <a:bodyPr rtlCol="0" anchor="ctr"/>
+          <a:lstStyle/>
+          <a:p>
+            <a:pPr algn="ctr"/>
+            <a:endParaRPr lang="en-US"/>
+          </a:p>
+        </p:txBody>
+      </p:sp>
+    </p:spTree>
+    <p:extLst>
+      <p:ext uri="{BB962C8B-B14F-4D97-AF65-F5344CB8AC3E}">
+        <p14:creationId xmlns:p14="http://schemas.microsoft.com/office/powerpoint/2010/main" val="2295511182"/>
+      </p:ext>
+    </p:extLst>
+  </p:cSld>
+  <p:clrMapOvr>
+    <a:masterClrMapping/>
+  </p:clrMapOvr>
+</p:sld>
+</file>
+
+<file path=ppt/slides/slide4.xml><?xml version="1.0" encoding="utf-8"?>
+<p:sld xmlns:a="http://schemas.openxmlformats.org/drawingml/2006/main" xmlns:r="http://schemas.openxmlformats.org/officeDocument/2006/relationships" xmlns:p="http://schemas.openxmlformats.org/presentationml/2006/main">
+  <p:cSld>
+    <p:spTree>
+      <p:nvGrpSpPr>
+        <p:cNvPr id="1" name=""/>
+        <p:cNvGrpSpPr/>
+        <p:nvPr/>
+      </p:nvGrpSpPr>
+      <p:grpSpPr>
+        <a:xfrm>
+          <a:off x="0" y="0"/>
+          <a:ext cx="0" cy="0"/>
+          <a:chOff x="0" y="0"/>
+          <a:chExt cx="0" cy="0"/>
+        </a:xfrm>
+      </p:grpSpPr>
+      <p:cxnSp>
+        <p:nvCxnSpPr>
+          <p:cNvPr id="4" name="Straight Arrow Connector 3"/>
+          <p:cNvCxnSpPr/>
+          <p:nvPr/>
+        </p:nvCxnSpPr>
+        <p:spPr>
+          <a:xfrm flipV="1">
+            <a:off x="4555383" y="2796435"/>
+            <a:ext cx="970337" cy="1388746"/>
+          </a:xfrm>
+          <a:prstGeom prst="straightConnector1">
+            <a:avLst/>
+          </a:prstGeom>
+          <a:ln>
+            <a:tailEnd type="arrow"/>
+          </a:ln>
+        </p:spPr>
+        <p:style>
+          <a:lnRef idx="3">
+            <a:schemeClr val="accent3"/>
+          </a:lnRef>
+          <a:fillRef idx="0">
+            <a:schemeClr val="accent3"/>
+          </a:fillRef>
+          <a:effectRef idx="2">
+            <a:schemeClr val="accent3"/>
+          </a:effectRef>
+          <a:fontRef idx="minor">
+            <a:schemeClr val="tx1"/>
+          </a:fontRef>
+        </p:style>
+      </p:cxnSp>
+      <p:cxnSp>
+        <p:nvCxnSpPr>
+          <p:cNvPr id="5" name="Straight Arrow Connector 4"/>
+          <p:cNvCxnSpPr/>
+          <p:nvPr/>
+        </p:nvCxnSpPr>
+        <p:spPr>
+          <a:xfrm flipV="1">
+            <a:off x="4559763" y="1564977"/>
+            <a:ext cx="2" cy="2597164"/>
+          </a:xfrm>
+          <a:prstGeom prst="straightConnector1">
+            <a:avLst/>
+          </a:prstGeom>
+          <a:ln>
+            <a:tailEnd type="arrow"/>
+          </a:ln>
+        </p:spPr>
+        <p:style>
+          <a:lnRef idx="2">
+            <a:schemeClr val="dk1"/>
+          </a:lnRef>
+          <a:fillRef idx="0">
+            <a:schemeClr val="dk1"/>
+          </a:fillRef>
+          <a:effectRef idx="1">
+            <a:schemeClr val="dk1"/>
+          </a:effectRef>
+          <a:fontRef idx="minor">
+            <a:schemeClr val="tx1"/>
+          </a:fontRef>
+        </p:style>
+      </p:cxnSp>
+      <p:cxnSp>
+        <p:nvCxnSpPr>
+          <p:cNvPr id="6" name="Straight Arrow Connector 5"/>
+          <p:cNvCxnSpPr/>
+          <p:nvPr/>
+        </p:nvCxnSpPr>
+        <p:spPr>
+          <a:xfrm flipV="1">
+            <a:off x="4559763" y="4162141"/>
+            <a:ext cx="2636583" cy="1"/>
+          </a:xfrm>
+          <a:prstGeom prst="straightConnector1">
+            <a:avLst/>
+          </a:prstGeom>
+          <a:ln>
+            <a:tailEnd type="arrow"/>
+          </a:ln>
+        </p:spPr>
+        <p:style>
+          <a:lnRef idx="2">
+            <a:schemeClr val="dk1"/>
+          </a:lnRef>
+          <a:fillRef idx="0">
+            <a:schemeClr val="dk1"/>
+          </a:fillRef>
+          <a:effectRef idx="1">
+            <a:schemeClr val="dk1"/>
+          </a:effectRef>
+          <a:fontRef idx="minor">
+            <a:schemeClr val="tx1"/>
+          </a:fontRef>
+        </p:style>
+      </p:cxnSp>
+      <p:cxnSp>
+        <p:nvCxnSpPr>
+          <p:cNvPr id="7" name="Straight Arrow Connector 6"/>
+          <p:cNvCxnSpPr/>
+          <p:nvPr/>
+        </p:nvCxnSpPr>
+        <p:spPr>
+          <a:xfrm flipH="1">
+            <a:off x="3174859" y="4162140"/>
+            <a:ext cx="1384906" cy="1528071"/>
+          </a:xfrm>
+          <a:prstGeom prst="straightConnector1">
+            <a:avLst/>
+          </a:prstGeom>
+          <a:ln>
+            <a:tailEnd type="arrow"/>
+          </a:ln>
+        </p:spPr>
+        <p:style>
+          <a:lnRef idx="2">
+            <a:schemeClr val="dk1"/>
+          </a:lnRef>
+          <a:fillRef idx="0">
+            <a:schemeClr val="dk1"/>
+          </a:fillRef>
+          <a:effectRef idx="1">
+            <a:schemeClr val="dk1"/>
+          </a:effectRef>
+          <a:fontRef idx="minor">
+            <a:schemeClr val="tx1"/>
+          </a:fontRef>
+        </p:style>
+      </p:cxnSp>
+      <p:pic>
+        <p:nvPicPr>
+          <p:cNvPr id="8" name="Picture 7"/>
+          <p:cNvPicPr>
+            <a:picLocks noChangeAspect="1"/>
+          </p:cNvPicPr>
+          <p:nvPr/>
+        </p:nvPicPr>
+        <p:blipFill>
+          <a:blip r:embed="rId2"/>
+          <a:stretch>
+            <a:fillRect/>
+          </a:stretch>
+        </p:blipFill>
+        <p:spPr>
+          <a:xfrm>
+            <a:off x="2828683" y="5690211"/>
+            <a:ext cx="241300" cy="215900"/>
+          </a:xfrm>
+          <a:prstGeom prst="rect">
+            <a:avLst/>
+          </a:prstGeom>
+        </p:spPr>
+      </p:pic>
+      <p:pic>
+        <p:nvPicPr>
+          <p:cNvPr id="9" name="Picture 8"/>
+          <p:cNvPicPr>
+            <a:picLocks noChangeAspect="1"/>
+          </p:cNvPicPr>
+          <p:nvPr/>
+        </p:nvPicPr>
+        <p:blipFill>
+          <a:blip r:embed="rId3"/>
+          <a:stretch>
+            <a:fillRect/>
+          </a:stretch>
+        </p:blipFill>
+        <p:spPr>
+          <a:xfrm>
+            <a:off x="4768226" y="1457027"/>
+            <a:ext cx="215900" cy="215900"/>
+          </a:xfrm>
+          <a:prstGeom prst="rect">
+            <a:avLst/>
+          </a:prstGeom>
+        </p:spPr>
+      </p:pic>
+      <p:pic>
+        <p:nvPicPr>
+          <p:cNvPr id="10" name="Picture 9"/>
+          <p:cNvPicPr>
+            <a:picLocks noChangeAspect="1"/>
+          </p:cNvPicPr>
+          <p:nvPr/>
+        </p:nvPicPr>
+        <p:blipFill>
+          <a:blip r:embed="rId4"/>
+          <a:stretch>
+            <a:fillRect/>
+          </a:stretch>
+        </p:blipFill>
+        <p:spPr>
+          <a:xfrm>
+            <a:off x="7017903" y="4350434"/>
+            <a:ext cx="215900" cy="304800"/>
+          </a:xfrm>
+          <a:prstGeom prst="rect">
+            <a:avLst/>
+          </a:prstGeom>
+        </p:spPr>
+      </p:pic>
+      <p:pic>
+        <p:nvPicPr>
+          <p:cNvPr id="11" name="Picture 10" descr="latex-image-1.pdf"/>
+          <p:cNvPicPr>
+            <a:picLocks noChangeAspect="1"/>
+          </p:cNvPicPr>
+          <p:nvPr/>
+        </p:nvPicPr>
+        <p:blipFill>
+          <a:blip r:embed="rId5">
+            <a:extLst>
+              <a:ext uri="{28A0092B-C50C-407E-A947-70E740481C1C}">
+                <a14:useLocalDpi xmlns:a14="http://schemas.microsoft.com/office/drawing/2010/main" val="0"/>
+              </a:ext>
+            </a:extLst>
+          </a:blip>
+          <a:stretch>
+            <a:fillRect/>
+          </a:stretch>
+        </p:blipFill>
+        <p:spPr>
+          <a:xfrm>
+            <a:off x="5812872" y="3517938"/>
+            <a:ext cx="254000" cy="279400"/>
+          </a:xfrm>
+          <a:prstGeom prst="rect">
+            <a:avLst/>
+          </a:prstGeom>
+        </p:spPr>
+      </p:pic>
+      <p:pic>
+        <p:nvPicPr>
+          <p:cNvPr id="12" name="Picture 11" descr="latex-image-1.pdf"/>
+          <p:cNvPicPr>
+            <a:picLocks noChangeAspect="1"/>
+          </p:cNvPicPr>
+          <p:nvPr/>
+        </p:nvPicPr>
+        <p:blipFill>
+          <a:blip r:embed="rId6">
+            <a:extLst>
+              <a:ext uri="{28A0092B-C50C-407E-A947-70E740481C1C}">
+                <a14:useLocalDpi xmlns:a14="http://schemas.microsoft.com/office/drawing/2010/main" val="0"/>
+              </a:ext>
+            </a:extLst>
+          </a:blip>
+          <a:stretch>
+            <a:fillRect/>
+          </a:stretch>
+        </p:blipFill>
+        <p:spPr>
+          <a:xfrm>
+            <a:off x="4056226" y="4084062"/>
+            <a:ext cx="266700" cy="279400"/>
+          </a:xfrm>
+          <a:prstGeom prst="rect">
+            <a:avLst/>
+          </a:prstGeom>
+        </p:spPr>
+      </p:pic>
+      <p:pic>
+        <p:nvPicPr>
+          <p:cNvPr id="13" name="Picture 12" descr="latex-image-1.pdf"/>
+          <p:cNvPicPr>
+            <a:picLocks noChangeAspect="1"/>
+          </p:cNvPicPr>
+          <p:nvPr/>
+        </p:nvPicPr>
+        <p:blipFill>
+          <a:blip r:embed="rId7">
+            <a:extLst>
+              <a:ext uri="{28A0092B-C50C-407E-A947-70E740481C1C}">
+                <a14:useLocalDpi xmlns:a14="http://schemas.microsoft.com/office/drawing/2010/main" val="0"/>
+              </a:ext>
+            </a:extLst>
+          </a:blip>
+          <a:stretch>
+            <a:fillRect/>
+          </a:stretch>
+        </p:blipFill>
+        <p:spPr>
+          <a:xfrm>
+            <a:off x="4995268" y="3760905"/>
+            <a:ext cx="266700" cy="317500"/>
+          </a:xfrm>
+          <a:prstGeom prst="rect">
+            <a:avLst/>
+          </a:prstGeom>
+        </p:spPr>
+      </p:pic>
+      <p:pic>
+        <p:nvPicPr>
+          <p:cNvPr id="14" name="Picture 13" descr="latex-image-1.pdf"/>
+          <p:cNvPicPr>
+            <a:picLocks noChangeAspect="1"/>
+          </p:cNvPicPr>
+          <p:nvPr/>
+        </p:nvPicPr>
+        <p:blipFill>
+          <a:blip r:embed="rId8">
+            <a:extLst>
+              <a:ext uri="{28A0092B-C50C-407E-A947-70E740481C1C}">
+                <a14:useLocalDpi xmlns:a14="http://schemas.microsoft.com/office/drawing/2010/main" val="0"/>
+              </a:ext>
+            </a:extLst>
+          </a:blip>
+          <a:stretch>
+            <a:fillRect/>
+          </a:stretch>
+        </p:blipFill>
+        <p:spPr>
+          <a:xfrm>
+            <a:off x="4239841" y="3523327"/>
+            <a:ext cx="241300" cy="279400"/>
+          </a:xfrm>
+          <a:prstGeom prst="rect">
+            <a:avLst/>
+          </a:prstGeom>
+        </p:spPr>
+      </p:pic>
+      <p:cxnSp>
+        <p:nvCxnSpPr>
+          <p:cNvPr id="15" name="Straight Arrow Connector 14"/>
+          <p:cNvCxnSpPr/>
+          <p:nvPr/>
+        </p:nvCxnSpPr>
+        <p:spPr>
+          <a:xfrm flipH="1" flipV="1">
+            <a:off x="4559763" y="3523327"/>
+            <a:ext cx="1" cy="661851"/>
+          </a:xfrm>
+          <a:prstGeom prst="straightConnector1">
+            <a:avLst/>
+          </a:prstGeom>
+          <a:ln>
+            <a:tailEnd type="arrow"/>
+          </a:ln>
+        </p:spPr>
+        <p:style>
+          <a:lnRef idx="2">
+            <a:schemeClr val="dk1"/>
+          </a:lnRef>
+          <a:fillRef idx="0">
+            <a:schemeClr val="dk1"/>
+          </a:fillRef>
+          <a:effectRef idx="1">
+            <a:schemeClr val="dk1"/>
+          </a:effectRef>
+          <a:fontRef idx="minor">
+            <a:schemeClr val="tx1"/>
+          </a:fontRef>
+        </p:style>
+      </p:cxnSp>
+      <p:cxnSp>
+        <p:nvCxnSpPr>
+          <p:cNvPr id="16" name="Straight Arrow Connector 15"/>
+          <p:cNvCxnSpPr/>
+          <p:nvPr/>
+        </p:nvCxnSpPr>
+        <p:spPr>
+          <a:xfrm flipV="1">
+            <a:off x="4559764" y="4162140"/>
+            <a:ext cx="568854" cy="7069"/>
+          </a:xfrm>
+          <a:prstGeom prst="straightConnector1">
+            <a:avLst/>
+          </a:prstGeom>
+          <a:ln>
+            <a:tailEnd type="arrow"/>
+          </a:ln>
+        </p:spPr>
+        <p:style>
+          <a:lnRef idx="2">
+            <a:schemeClr val="dk1"/>
+          </a:lnRef>
+          <a:fillRef idx="0">
+            <a:schemeClr val="dk1"/>
+          </a:fillRef>
+          <a:effectRef idx="1">
+            <a:schemeClr val="dk1"/>
+          </a:effectRef>
+          <a:fontRef idx="minor">
+            <a:schemeClr val="tx1"/>
+          </a:fontRef>
+        </p:style>
+      </p:cxnSp>
+      <p:cxnSp>
+        <p:nvCxnSpPr>
+          <p:cNvPr id="17" name="Straight Arrow Connector 16"/>
+          <p:cNvCxnSpPr/>
+          <p:nvPr/>
+        </p:nvCxnSpPr>
+        <p:spPr>
+          <a:xfrm flipH="1">
+            <a:off x="4239841" y="4185178"/>
+            <a:ext cx="319923" cy="352995"/>
+          </a:xfrm>
+          <a:prstGeom prst="straightConnector1">
+            <a:avLst/>
+          </a:prstGeom>
+          <a:ln>
+            <a:tailEnd type="arrow"/>
+          </a:ln>
+        </p:spPr>
+        <p:style>
+          <a:lnRef idx="2">
+            <a:schemeClr val="dk1"/>
+          </a:lnRef>
+          <a:fillRef idx="0">
+            <a:schemeClr val="dk1"/>
+          </a:fillRef>
+          <a:effectRef idx="1">
+            <a:schemeClr val="dk1"/>
+          </a:effectRef>
+          <a:fontRef idx="minor">
+            <a:schemeClr val="tx1"/>
+          </a:fontRef>
+        </p:style>
+      </p:cxnSp>
+      <p:cxnSp>
+        <p:nvCxnSpPr>
+          <p:cNvPr id="19" name="Straight Arrow Connector 18"/>
+          <p:cNvCxnSpPr/>
+          <p:nvPr/>
+        </p:nvCxnSpPr>
+        <p:spPr>
+          <a:xfrm flipH="1" flipV="1">
+            <a:off x="4586777" y="4102888"/>
+            <a:ext cx="938944" cy="869886"/>
+          </a:xfrm>
+          <a:prstGeom prst="straightConnector1">
+            <a:avLst/>
+          </a:prstGeom>
+          <a:ln>
+            <a:prstDash val="dash"/>
+            <a:headEnd type="none"/>
+            <a:tailEnd type="none"/>
+          </a:ln>
+        </p:spPr>
+        <p:style>
+          <a:lnRef idx="2">
+            <a:schemeClr val="dk1"/>
+          </a:lnRef>
+          <a:fillRef idx="0">
+            <a:schemeClr val="dk1"/>
+          </a:fillRef>
+          <a:effectRef idx="1">
+            <a:schemeClr val="dk1"/>
+          </a:effectRef>
+          <a:fontRef idx="minor">
+            <a:schemeClr val="tx1"/>
+          </a:fontRef>
+        </p:style>
+      </p:cxnSp>
+      <p:cxnSp>
+        <p:nvCxnSpPr>
+          <p:cNvPr id="21" name="Straight Arrow Connector 20"/>
+          <p:cNvCxnSpPr/>
+          <p:nvPr/>
+        </p:nvCxnSpPr>
+        <p:spPr>
+          <a:xfrm flipH="1">
+            <a:off x="5525721" y="4158562"/>
+            <a:ext cx="728279" cy="803567"/>
+          </a:xfrm>
+          <a:prstGeom prst="straightConnector1">
+            <a:avLst/>
+          </a:prstGeom>
+          <a:ln>
+            <a:prstDash val="dash"/>
+            <a:headEnd type="none"/>
+            <a:tailEnd type="none"/>
+          </a:ln>
+        </p:spPr>
+        <p:style>
+          <a:lnRef idx="2">
+            <a:schemeClr val="dk1"/>
+          </a:lnRef>
+          <a:fillRef idx="0">
+            <a:schemeClr val="dk1"/>
+          </a:fillRef>
+          <a:effectRef idx="1">
+            <a:schemeClr val="dk1"/>
+          </a:effectRef>
+          <a:fontRef idx="minor">
+            <a:schemeClr val="tx1"/>
+          </a:fontRef>
+        </p:style>
+      </p:cxnSp>
+      <p:cxnSp>
+        <p:nvCxnSpPr>
+          <p:cNvPr id="22" name="Straight Arrow Connector 21"/>
+          <p:cNvCxnSpPr/>
+          <p:nvPr/>
+        </p:nvCxnSpPr>
+        <p:spPr>
+          <a:xfrm flipV="1">
+            <a:off x="3835158" y="4972773"/>
+            <a:ext cx="1690562" cy="1"/>
+          </a:xfrm>
+          <a:prstGeom prst="straightConnector1">
+            <a:avLst/>
+          </a:prstGeom>
+          <a:ln>
+            <a:prstDash val="dash"/>
+            <a:headEnd type="none"/>
+            <a:tailEnd type="none"/>
+          </a:ln>
+        </p:spPr>
+        <p:style>
+          <a:lnRef idx="2">
+            <a:schemeClr val="dk1"/>
+          </a:lnRef>
+          <a:fillRef idx="0">
+            <a:schemeClr val="dk1"/>
+          </a:fillRef>
+          <a:effectRef idx="1">
+            <a:schemeClr val="dk1"/>
+          </a:effectRef>
+          <a:fontRef idx="minor">
+            <a:schemeClr val="tx1"/>
+          </a:fontRef>
+        </p:style>
+      </p:cxnSp>
+      <p:cxnSp>
+        <p:nvCxnSpPr>
+          <p:cNvPr id="20" name="Straight Arrow Connector 19"/>
+          <p:cNvCxnSpPr/>
+          <p:nvPr/>
+        </p:nvCxnSpPr>
+        <p:spPr>
+          <a:xfrm flipV="1">
+            <a:off x="5525720" y="2796437"/>
+            <a:ext cx="0" cy="2152864"/>
+          </a:xfrm>
+          <a:prstGeom prst="straightConnector1">
+            <a:avLst/>
+          </a:prstGeom>
+          <a:ln>
+            <a:prstDash val="dash"/>
+            <a:headEnd type="none"/>
+            <a:tailEnd type="none"/>
+          </a:ln>
+        </p:spPr>
+        <p:style>
+          <a:lnRef idx="2">
+            <a:schemeClr val="dk1"/>
+          </a:lnRef>
+          <a:fillRef idx="0">
+            <a:schemeClr val="dk1"/>
+          </a:fillRef>
+          <a:effectRef idx="1">
+            <a:schemeClr val="dk1"/>
+          </a:effectRef>
+          <a:fontRef idx="minor">
+            <a:schemeClr val="tx1"/>
+          </a:fontRef>
+        </p:style>
+      </p:cxnSp>
+      <p:cxnSp>
+        <p:nvCxnSpPr>
+          <p:cNvPr id="32" name="Straight Arrow Connector 31"/>
+          <p:cNvCxnSpPr/>
+          <p:nvPr/>
+        </p:nvCxnSpPr>
+        <p:spPr>
+          <a:xfrm flipH="1" flipV="1">
+            <a:off x="4614780" y="2003089"/>
+            <a:ext cx="849960" cy="787447"/>
+          </a:xfrm>
+          <a:prstGeom prst="straightConnector1">
+            <a:avLst/>
+          </a:prstGeom>
+          <a:ln>
+            <a:prstDash val="dash"/>
+            <a:headEnd type="none"/>
+            <a:tailEnd type="none"/>
+          </a:ln>
+        </p:spPr>
+        <p:style>
+          <a:lnRef idx="2">
+            <a:schemeClr val="dk1"/>
+          </a:lnRef>
+          <a:fillRef idx="0">
+            <a:schemeClr val="dk1"/>
+          </a:fillRef>
+          <a:effectRef idx="1">
+            <a:schemeClr val="dk1"/>
+          </a:effectRef>
+          <a:fontRef idx="minor">
+            <a:schemeClr val="tx1"/>
+          </a:fontRef>
+        </p:style>
+      </p:cxnSp>
+      <p:pic>
+        <p:nvPicPr>
+          <p:cNvPr id="35" name="Picture 34" descr="latex-image-1.pdf"/>
+          <p:cNvPicPr>
+            <a:picLocks noChangeAspect="1"/>
+          </p:cNvPicPr>
+          <p:nvPr/>
+        </p:nvPicPr>
+        <p:blipFill>
+          <a:blip r:embed="rId9">
+            <a:extLst>
+              <a:ext uri="{28A0092B-C50C-407E-A947-70E740481C1C}">
+                <a14:useLocalDpi xmlns:a14="http://schemas.microsoft.com/office/drawing/2010/main" val="0"/>
+              </a:ext>
+            </a:extLst>
+          </a:blip>
+          <a:stretch>
+            <a:fillRect/>
+          </a:stretch>
+        </p:blipFill>
+        <p:spPr>
+          <a:xfrm>
+            <a:off x="3269481" y="4809601"/>
+            <a:ext cx="355600" cy="279400"/>
+          </a:xfrm>
+          <a:prstGeom prst="rect">
+            <a:avLst/>
+          </a:prstGeom>
+        </p:spPr>
+      </p:pic>
+      <p:pic>
+        <p:nvPicPr>
+          <p:cNvPr id="36" name="Picture 35" descr="latex-image-1.pdf"/>
+          <p:cNvPicPr>
+            <a:picLocks noChangeAspect="1"/>
+          </p:cNvPicPr>
+          <p:nvPr/>
+        </p:nvPicPr>
+        <p:blipFill>
+          <a:blip r:embed="rId10">
+            <a:extLst>
+              <a:ext uri="{28A0092B-C50C-407E-A947-70E740481C1C}">
+                <a14:useLocalDpi xmlns:a14="http://schemas.microsoft.com/office/drawing/2010/main" val="0"/>
+              </a:ext>
+            </a:extLst>
+          </a:blip>
+          <a:stretch>
+            <a:fillRect/>
+          </a:stretch>
+        </p:blipFill>
+        <p:spPr>
+          <a:xfrm>
+            <a:off x="6146987" y="3715210"/>
+            <a:ext cx="355600" cy="317500"/>
+          </a:xfrm>
+          <a:prstGeom prst="rect">
+            <a:avLst/>
+          </a:prstGeom>
+        </p:spPr>
+      </p:pic>
+      <p:pic>
+        <p:nvPicPr>
+          <p:cNvPr id="37" name="Picture 36" descr="latex-image-1.pdf"/>
+          <p:cNvPicPr>
+            <a:picLocks noChangeAspect="1"/>
+          </p:cNvPicPr>
+          <p:nvPr/>
+        </p:nvPicPr>
+        <p:blipFill>
+          <a:blip r:embed="rId11">
+            <a:extLst>
+              <a:ext uri="{28A0092B-C50C-407E-A947-70E740481C1C}">
+                <a14:useLocalDpi xmlns:a14="http://schemas.microsoft.com/office/drawing/2010/main" val="0"/>
+              </a:ext>
+            </a:extLst>
+          </a:blip>
+          <a:stretch>
+            <a:fillRect/>
+          </a:stretch>
+        </p:blipFill>
+        <p:spPr>
+          <a:xfrm>
+            <a:off x="4138241" y="1810108"/>
+            <a:ext cx="342900" cy="279400"/>
+          </a:xfrm>
+          <a:prstGeom prst="rect">
+            <a:avLst/>
+          </a:prstGeom>
+        </p:spPr>
+      </p:pic>
+      <p:sp>
+        <p:nvSpPr>
+          <p:cNvPr id="38" name="Freeform 37"/>
+          <p:cNvSpPr/>
+          <p:nvPr/>
+        </p:nvSpPr>
+        <p:spPr>
+          <a:xfrm>
+            <a:off x="4541531" y="2927086"/>
+            <a:ext cx="654288" cy="305490"/>
+          </a:xfrm>
+          <a:custGeom>
+            <a:avLst/>
+            <a:gdLst>
+              <a:gd name="connsiteX0" fmla="*/ 0 w 654288"/>
+              <a:gd name="connsiteY0" fmla="*/ 36109 h 305490"/>
+              <a:gd name="connsiteX1" fmla="*/ 384875 w 654288"/>
+              <a:gd name="connsiteY1" fmla="*/ 23281 h 305490"/>
+              <a:gd name="connsiteX2" fmla="*/ 654288 w 654288"/>
+              <a:gd name="connsiteY2" fmla="*/ 305490 h 305490"/>
+            </a:gdLst>
+            <a:ahLst/>
+            <a:cxnLst>
+              <a:cxn ang="0">
+                <a:pos x="connsiteX0" y="connsiteY0"/>
+              </a:cxn>
+              <a:cxn ang="0">
+                <a:pos x="connsiteX1" y="connsiteY1"/>
+              </a:cxn>
+              <a:cxn ang="0">
+                <a:pos x="connsiteX2" y="connsiteY2"/>
+              </a:cxn>
+            </a:cxnLst>
+            <a:rect l="l" t="t" r="r" b="b"/>
+            <a:pathLst>
+              <a:path w="654288" h="305490">
+                <a:moveTo>
+                  <a:pt x="0" y="36109"/>
+                </a:moveTo>
+                <a:cubicBezTo>
+                  <a:pt x="137913" y="7246"/>
+                  <a:pt x="275827" y="-21616"/>
+                  <a:pt x="384875" y="23281"/>
+                </a:cubicBezTo>
+                <a:cubicBezTo>
+                  <a:pt x="493923" y="68178"/>
+                  <a:pt x="654288" y="305490"/>
+                  <a:pt x="654288" y="305490"/>
+                </a:cubicBezTo>
+              </a:path>
+            </a:pathLst>
+          </a:custGeom>
+        </p:spPr>
+        <p:style>
+          <a:lnRef idx="2">
+            <a:schemeClr val="accent5"/>
+          </a:lnRef>
+          <a:fillRef idx="0">
+            <a:schemeClr val="accent5"/>
+          </a:fillRef>
+          <a:effectRef idx="1">
+            <a:schemeClr val="accent5"/>
+          </a:effectRef>
+          <a:fontRef idx="minor">
+            <a:schemeClr val="tx1"/>
+          </a:fontRef>
+        </p:style>
+        <p:txBody>
+          <a:bodyPr rtlCol="0" anchor="ctr"/>
+          <a:lstStyle/>
+          <a:p>
+            <a:pPr algn="ctr"/>
+            <a:endParaRPr lang="en-US"/>
+          </a:p>
+        </p:txBody>
+      </p:sp>
+      <p:sp>
+        <p:nvSpPr>
+          <p:cNvPr id="39" name="Freeform 38"/>
+          <p:cNvSpPr/>
+          <p:nvPr/>
+        </p:nvSpPr>
+        <p:spPr>
+          <a:xfrm>
+            <a:off x="4207972" y="4515344"/>
+            <a:ext cx="782580" cy="181394"/>
+          </a:xfrm>
+          <a:custGeom>
+            <a:avLst/>
+            <a:gdLst>
+              <a:gd name="connsiteX0" fmla="*/ 0 w 782580"/>
+              <a:gd name="connsiteY0" fmla="*/ 76966 h 181394"/>
+              <a:gd name="connsiteX1" fmla="*/ 397705 w 782580"/>
+              <a:gd name="connsiteY1" fmla="*/ 179588 h 181394"/>
+              <a:gd name="connsiteX2" fmla="*/ 782580 w 782580"/>
+              <a:gd name="connsiteY2" fmla="*/ 0 h 181394"/>
+            </a:gdLst>
+            <a:ahLst/>
+            <a:cxnLst>
+              <a:cxn ang="0">
+                <a:pos x="connsiteX0" y="connsiteY0"/>
+              </a:cxn>
+              <a:cxn ang="0">
+                <a:pos x="connsiteX1" y="connsiteY1"/>
+              </a:cxn>
+              <a:cxn ang="0">
+                <a:pos x="connsiteX2" y="connsiteY2"/>
+              </a:cxn>
+            </a:cxnLst>
+            <a:rect l="l" t="t" r="r" b="b"/>
+            <a:pathLst>
+              <a:path w="782580" h="181394">
+                <a:moveTo>
+                  <a:pt x="0" y="76966"/>
+                </a:moveTo>
+                <a:cubicBezTo>
+                  <a:pt x="133637" y="134691"/>
+                  <a:pt x="267275" y="192416"/>
+                  <a:pt x="397705" y="179588"/>
+                </a:cubicBezTo>
+                <a:cubicBezTo>
+                  <a:pt x="528135" y="166760"/>
+                  <a:pt x="782580" y="0"/>
+                  <a:pt x="782580" y="0"/>
+                </a:cubicBezTo>
+              </a:path>
+            </a:pathLst>
+          </a:custGeom>
+        </p:spPr>
+        <p:style>
+          <a:lnRef idx="2">
+            <a:schemeClr val="accent5"/>
+          </a:lnRef>
+          <a:fillRef idx="0">
+            <a:schemeClr val="accent5"/>
+          </a:fillRef>
+          <a:effectRef idx="1">
+            <a:schemeClr val="accent5"/>
+          </a:effectRef>
+          <a:fontRef idx="minor">
+            <a:schemeClr val="tx1"/>
+          </a:fontRef>
+        </p:style>
+        <p:txBody>
+          <a:bodyPr rtlCol="0" anchor="ctr"/>
+          <a:lstStyle/>
+          <a:p>
+            <a:pPr algn="ctr"/>
+            <a:endParaRPr lang="en-US"/>
+          </a:p>
+        </p:txBody>
+      </p:sp>
+      <p:pic>
+        <p:nvPicPr>
+          <p:cNvPr id="40" name="Picture 39" descr="latex-image-1.pdf"/>
+          <p:cNvPicPr>
+            <a:picLocks noChangeAspect="1"/>
+          </p:cNvPicPr>
+          <p:nvPr/>
+        </p:nvPicPr>
+        <p:blipFill>
+          <a:blip r:embed="rId12">
+            <a:extLst>
+              <a:ext uri="{28A0092B-C50C-407E-A947-70E740481C1C}">
+                <a14:useLocalDpi xmlns:a14="http://schemas.microsoft.com/office/drawing/2010/main" val="0"/>
+              </a:ext>
+            </a:extLst>
+          </a:blip>
+          <a:stretch>
+            <a:fillRect/>
+          </a:stretch>
+        </p:blipFill>
+        <p:spPr>
+          <a:xfrm>
+            <a:off x="4555383" y="4413744"/>
+            <a:ext cx="177800" cy="203200"/>
+          </a:xfrm>
+          <a:prstGeom prst="rect">
+            <a:avLst/>
+          </a:prstGeom>
+        </p:spPr>
+      </p:pic>
+      <p:pic>
+        <p:nvPicPr>
+          <p:cNvPr id="41" name="Picture 40" descr="latex-image-1.pdf"/>
+          <p:cNvPicPr>
+            <a:picLocks noChangeAspect="1"/>
+          </p:cNvPicPr>
+          <p:nvPr/>
+        </p:nvPicPr>
+        <p:blipFill>
+          <a:blip r:embed="rId13">
+            <a:extLst>
+              <a:ext uri="{28A0092B-C50C-407E-A947-70E740481C1C}">
+                <a14:useLocalDpi xmlns:a14="http://schemas.microsoft.com/office/drawing/2010/main" val="0"/>
+              </a:ext>
+            </a:extLst>
+          </a:blip>
+          <a:stretch>
+            <a:fillRect/>
+          </a:stretch>
+        </p:blipFill>
+        <p:spPr>
+          <a:xfrm>
+            <a:off x="4768226" y="3034908"/>
+            <a:ext cx="139700" cy="241300"/>
+          </a:xfrm>
+          <a:prstGeom prst="rect">
+            <a:avLst/>
+          </a:prstGeom>
+        </p:spPr>
+      </p:pic>
+      <p:cxnSp>
+        <p:nvCxnSpPr>
+          <p:cNvPr id="42" name="Straight Arrow Connector 41"/>
+          <p:cNvCxnSpPr/>
+          <p:nvPr/>
+        </p:nvCxnSpPr>
+        <p:spPr>
+          <a:xfrm flipV="1">
+            <a:off x="1237269" y="1810108"/>
+            <a:ext cx="970337" cy="1388746"/>
+          </a:xfrm>
+          <a:prstGeom prst="straightConnector1">
+            <a:avLst/>
+          </a:prstGeom>
+          <a:ln>
+            <a:tailEnd type="arrow"/>
+          </a:ln>
+        </p:spPr>
+        <p:style>
+          <a:lnRef idx="3">
+            <a:schemeClr val="accent3"/>
+          </a:lnRef>
+          <a:fillRef idx="0">
+            <a:schemeClr val="accent3"/>
+          </a:fillRef>
+          <a:effectRef idx="2">
+            <a:schemeClr val="accent3"/>
+          </a:effectRef>
+          <a:fontRef idx="minor">
+            <a:schemeClr val="tx1"/>
+          </a:fontRef>
+        </p:style>
+      </p:cxnSp>
+      <p:cxnSp>
+        <p:nvCxnSpPr>
+          <p:cNvPr id="43" name="Straight Arrow Connector 42"/>
+          <p:cNvCxnSpPr/>
+          <p:nvPr/>
+        </p:nvCxnSpPr>
+        <p:spPr>
+          <a:xfrm>
+            <a:off x="1237269" y="3198854"/>
+            <a:ext cx="970337" cy="451473"/>
+          </a:xfrm>
+          <a:prstGeom prst="straightConnector1">
+            <a:avLst/>
+          </a:prstGeom>
+          <a:ln>
+            <a:tailEnd type="arrow"/>
+          </a:ln>
+        </p:spPr>
+        <p:style>
+          <a:lnRef idx="3">
+            <a:schemeClr val="accent2"/>
+          </a:lnRef>
+          <a:fillRef idx="0">
+            <a:schemeClr val="accent2"/>
+          </a:fillRef>
+          <a:effectRef idx="2">
+            <a:schemeClr val="accent2"/>
+          </a:effectRef>
+          <a:fontRef idx="minor">
+            <a:schemeClr val="tx1"/>
+          </a:fontRef>
+        </p:style>
+      </p:cxnSp>
+      <p:pic>
+        <p:nvPicPr>
+          <p:cNvPr id="45" name="Picture 44" descr="latex-image-1.pdf"/>
+          <p:cNvPicPr>
+            <a:picLocks noChangeAspect="1"/>
+          </p:cNvPicPr>
+          <p:nvPr/>
+        </p:nvPicPr>
+        <p:blipFill>
+          <a:blip r:embed="rId13">
+            <a:extLst>
+              <a:ext uri="{28A0092B-C50C-407E-A947-70E740481C1C}">
+                <a14:useLocalDpi xmlns:a14="http://schemas.microsoft.com/office/drawing/2010/main" val="0"/>
+              </a:ext>
+            </a:extLst>
+          </a:blip>
+          <a:stretch>
+            <a:fillRect/>
+          </a:stretch>
+        </p:blipFill>
+        <p:spPr>
+          <a:xfrm>
+            <a:off x="1582738" y="2946008"/>
+            <a:ext cx="139700" cy="241300"/>
+          </a:xfrm>
+          <a:prstGeom prst="rect">
+            <a:avLst/>
+          </a:prstGeom>
+        </p:spPr>
+      </p:pic>
+      <p:sp>
+        <p:nvSpPr>
+          <p:cNvPr id="46" name="Freeform 45"/>
+          <p:cNvSpPr/>
+          <p:nvPr/>
+        </p:nvSpPr>
+        <p:spPr>
+          <a:xfrm>
+            <a:off x="1603648" y="2693813"/>
+            <a:ext cx="296063" cy="679868"/>
+          </a:xfrm>
+          <a:custGeom>
+            <a:avLst/>
+            <a:gdLst>
+              <a:gd name="connsiteX0" fmla="*/ 0 w 296063"/>
+              <a:gd name="connsiteY0" fmla="*/ 0 h 679868"/>
+              <a:gd name="connsiteX1" fmla="*/ 295071 w 296063"/>
+              <a:gd name="connsiteY1" fmla="*/ 295037 h 679868"/>
+              <a:gd name="connsiteX2" fmla="*/ 102633 w 296063"/>
+              <a:gd name="connsiteY2" fmla="*/ 679868 h 679868"/>
+            </a:gdLst>
+            <a:ahLst/>
+            <a:cxnLst>
+              <a:cxn ang="0">
+                <a:pos x="connsiteX0" y="connsiteY0"/>
+              </a:cxn>
+              <a:cxn ang="0">
+                <a:pos x="connsiteX1" y="connsiteY1"/>
+              </a:cxn>
+              <a:cxn ang="0">
+                <a:pos x="connsiteX2" y="connsiteY2"/>
+              </a:cxn>
+            </a:cxnLst>
+            <a:rect l="l" t="t" r="r" b="b"/>
+            <a:pathLst>
+              <a:path w="296063" h="679868">
+                <a:moveTo>
+                  <a:pt x="0" y="0"/>
+                </a:moveTo>
+                <a:cubicBezTo>
+                  <a:pt x="138983" y="90863"/>
+                  <a:pt x="277966" y="181726"/>
+                  <a:pt x="295071" y="295037"/>
+                </a:cubicBezTo>
+                <a:cubicBezTo>
+                  <a:pt x="312176" y="408348"/>
+                  <a:pt x="102633" y="679868"/>
+                  <a:pt x="102633" y="679868"/>
+                </a:cubicBezTo>
+              </a:path>
+            </a:pathLst>
+          </a:custGeom>
+        </p:spPr>
+        <p:style>
+          <a:lnRef idx="2">
+            <a:schemeClr val="accent5"/>
+          </a:lnRef>
+          <a:fillRef idx="0">
+            <a:schemeClr val="accent5"/>
+          </a:fillRef>
+          <a:effectRef idx="1">
+            <a:schemeClr val="accent5"/>
+          </a:effectRef>
+          <a:fontRef idx="minor">
+            <a:schemeClr val="tx1"/>
+          </a:fontRef>
+        </p:style>
+        <p:txBody>
+          <a:bodyPr rtlCol="0" anchor="ctr"/>
+          <a:lstStyle/>
+          <a:p>
+            <a:pPr algn="ctr"/>
+            <a:endParaRPr lang="en-US"/>
+          </a:p>
+        </p:txBody>
+      </p:sp>
+      <p:pic>
+        <p:nvPicPr>
+          <p:cNvPr id="47" name="Picture 46" descr="latex-image-1.pdf"/>
+          <p:cNvPicPr>
+            <a:picLocks noChangeAspect="1"/>
+          </p:cNvPicPr>
+          <p:nvPr/>
+        </p:nvPicPr>
+        <p:blipFill>
+          <a:blip r:embed="rId14">
+            <a:extLst>
+              <a:ext uri="{28A0092B-C50C-407E-A947-70E740481C1C}">
+                <a14:useLocalDpi xmlns:a14="http://schemas.microsoft.com/office/drawing/2010/main" val="0"/>
+              </a:ext>
+            </a:extLst>
+          </a:blip>
+          <a:stretch>
+            <a:fillRect/>
+          </a:stretch>
+        </p:blipFill>
+        <p:spPr>
+          <a:xfrm>
+            <a:off x="1368827" y="2220721"/>
+            <a:ext cx="254000" cy="304800"/>
+          </a:xfrm>
+          <a:prstGeom prst="rect">
+            <a:avLst/>
+          </a:prstGeom>
+        </p:spPr>
+      </p:pic>
+      <p:pic>
+        <p:nvPicPr>
+          <p:cNvPr id="48" name="Picture 47" descr="latex-image-1.pdf"/>
+          <p:cNvPicPr>
+            <a:picLocks noChangeAspect="1"/>
+          </p:cNvPicPr>
+          <p:nvPr/>
+        </p:nvPicPr>
+        <p:blipFill>
+          <a:blip r:embed="rId15">
+            <a:extLst>
+              <a:ext uri="{28A0092B-C50C-407E-A947-70E740481C1C}">
+                <a14:useLocalDpi xmlns:a14="http://schemas.microsoft.com/office/drawing/2010/main" val="0"/>
+              </a:ext>
+            </a:extLst>
+          </a:blip>
+          <a:stretch>
+            <a:fillRect/>
+          </a:stretch>
+        </p:blipFill>
+        <p:spPr>
+          <a:xfrm>
+            <a:off x="1259276" y="3416090"/>
+            <a:ext cx="241300" cy="304800"/>
+          </a:xfrm>
+          <a:prstGeom prst="rect">
+            <a:avLst/>
+          </a:prstGeom>
+        </p:spPr>
+      </p:pic>
+    </p:spTree>
+    <p:extLst>
+      <p:ext uri="{BB962C8B-B14F-4D97-AF65-F5344CB8AC3E}">
+        <p14:creationId xmlns:p14="http://schemas.microsoft.com/office/powerpoint/2010/main" val="2157410401"/>
+      </p:ext>
+    </p:extLst>
+  </p:cSld>
+  <p:clrMapOvr>
+    <a:masterClrMapping/>
+  </p:clrMapOvr>
+</p:sld>
+</file>
+
+<file path=ppt/slides/slide5.xml><?xml version="1.0" encoding="utf-8"?>
+<p:sld xmlns:a="http://schemas.openxmlformats.org/drawingml/2006/main" xmlns:r="http://schemas.openxmlformats.org/officeDocument/2006/relationships" xmlns:p="http://schemas.openxmlformats.org/presentationml/2006/main">
+  <p:cSld>
+    <p:spTree>
+      <p:nvGrpSpPr>
+        <p:cNvPr id="1" name=""/>
+        <p:cNvGrpSpPr/>
+        <p:nvPr/>
+      </p:nvGrpSpPr>
+      <p:grpSpPr>
+        <a:xfrm>
+          <a:off x="0" y="0"/>
+          <a:ext cx="0" cy="0"/>
+          <a:chOff x="0" y="0"/>
+          <a:chExt cx="0" cy="0"/>
+        </a:xfrm>
+      </p:grpSpPr>
+      <p:cxnSp>
+        <p:nvCxnSpPr>
+          <p:cNvPr id="29" name="Straight Connector 28"/>
+          <p:cNvCxnSpPr>
+            <a:stCxn id="4" idx="1"/>
+          </p:cNvCxnSpPr>
+          <p:nvPr/>
+        </p:nvCxnSpPr>
+        <p:spPr>
+          <a:xfrm>
+            <a:off x="3378454" y="2722923"/>
+            <a:ext cx="1599269" cy="971450"/>
+          </a:xfrm>
+          <a:prstGeom prst="line">
+            <a:avLst/>
+          </a:prstGeom>
+          <a:ln w="28575" cmpd="sng">
+            <a:solidFill>
+              <a:srgbClr val="008000"/>
+            </a:solidFill>
+            <a:prstDash val="dot"/>
+          </a:ln>
+        </p:spPr>
+        <p:style>
+          <a:lnRef idx="1">
+            <a:schemeClr val="dk1"/>
+          </a:lnRef>
+          <a:fillRef idx="0">
+            <a:schemeClr val="dk1"/>
+          </a:fillRef>
+          <a:effectRef idx="0">
+            <a:schemeClr val="dk1"/>
+          </a:effectRef>
+          <a:fontRef idx="minor">
+            <a:schemeClr val="tx1"/>
+          </a:fontRef>
+        </p:style>
+      </p:cxnSp>
+      <p:pic>
+        <p:nvPicPr>
+          <p:cNvPr id="4" name="Picture 3" descr="latex-image-1.pdf"/>
+          <p:cNvPicPr>
+            <a:picLocks noChangeAspect="1"/>
+          </p:cNvPicPr>
+          <p:nvPr/>
+        </p:nvPicPr>
+        <p:blipFill>
+          <a:blip r:embed="rId2">
+            <a:extLst>
+              <a:ext uri="{28A0092B-C50C-407E-A947-70E740481C1C}">
+                <a14:useLocalDpi xmlns:a14="http://schemas.microsoft.com/office/drawing/2010/main" val="0"/>
+              </a:ext>
+            </a:extLst>
+          </a:blip>
+          <a:stretch>
+            <a:fillRect/>
+          </a:stretch>
+        </p:blipFill>
+        <p:spPr>
+          <a:xfrm>
+            <a:off x="3378454" y="2583223"/>
+            <a:ext cx="266700" cy="279400"/>
+          </a:xfrm>
+          <a:prstGeom prst="rect">
+            <a:avLst/>
+          </a:prstGeom>
+        </p:spPr>
+      </p:pic>
+      <p:pic>
+        <p:nvPicPr>
+          <p:cNvPr id="5" name="Picture 4" descr="latex-image-1.pdf"/>
+          <p:cNvPicPr>
+            <a:picLocks noChangeAspect="1"/>
+          </p:cNvPicPr>
+          <p:nvPr/>
+        </p:nvPicPr>
+        <p:blipFill>
+          <a:blip r:embed="rId3">
+            <a:extLst>
+              <a:ext uri="{28A0092B-C50C-407E-A947-70E740481C1C}">
+                <a14:useLocalDpi xmlns:a14="http://schemas.microsoft.com/office/drawing/2010/main" val="0"/>
+              </a:ext>
+            </a:extLst>
+          </a:blip>
+          <a:stretch>
+            <a:fillRect/>
+          </a:stretch>
+        </p:blipFill>
+        <p:spPr>
+          <a:xfrm>
+            <a:off x="4107486" y="2583223"/>
+            <a:ext cx="266700" cy="317500"/>
+          </a:xfrm>
+          <a:prstGeom prst="rect">
+            <a:avLst/>
+          </a:prstGeom>
+        </p:spPr>
+      </p:pic>
+      <p:pic>
+        <p:nvPicPr>
+          <p:cNvPr id="6" name="Picture 5" descr="latex-image-1.pdf"/>
+          <p:cNvPicPr>
+            <a:picLocks noChangeAspect="1"/>
+          </p:cNvPicPr>
+          <p:nvPr/>
+        </p:nvPicPr>
+        <p:blipFill>
+          <a:blip r:embed="rId4">
+            <a:extLst>
+              <a:ext uri="{28A0092B-C50C-407E-A947-70E740481C1C}">
+                <a14:useLocalDpi xmlns:a14="http://schemas.microsoft.com/office/drawing/2010/main" val="0"/>
+              </a:ext>
+            </a:extLst>
+          </a:blip>
+          <a:stretch>
+            <a:fillRect/>
+          </a:stretch>
+        </p:blipFill>
+        <p:spPr>
+          <a:xfrm>
+            <a:off x="4887318" y="2583223"/>
+            <a:ext cx="241300" cy="279400"/>
+          </a:xfrm>
+          <a:prstGeom prst="rect">
+            <a:avLst/>
+          </a:prstGeom>
+        </p:spPr>
+      </p:pic>
+      <p:pic>
+        <p:nvPicPr>
+          <p:cNvPr id="7" name="Picture 6" descr="latex-image-1.pdf"/>
+          <p:cNvPicPr>
+            <a:picLocks noChangeAspect="1"/>
+          </p:cNvPicPr>
+          <p:nvPr/>
+        </p:nvPicPr>
+        <p:blipFill>
+          <a:blip r:embed="rId5">
+            <a:extLst>
+              <a:ext uri="{28A0092B-C50C-407E-A947-70E740481C1C}">
+                <a14:useLocalDpi xmlns:a14="http://schemas.microsoft.com/office/drawing/2010/main" val="0"/>
+              </a:ext>
+            </a:extLst>
+          </a:blip>
+          <a:stretch>
+            <a:fillRect/>
+          </a:stretch>
+        </p:blipFill>
+        <p:spPr>
+          <a:xfrm>
+            <a:off x="3289554" y="3052592"/>
+            <a:ext cx="355600" cy="279400"/>
+          </a:xfrm>
+          <a:prstGeom prst="rect">
+            <a:avLst/>
+          </a:prstGeom>
+        </p:spPr>
+      </p:pic>
+      <p:pic>
+        <p:nvPicPr>
+          <p:cNvPr id="8" name="Picture 7" descr="latex-image-1.pdf"/>
+          <p:cNvPicPr>
+            <a:picLocks noChangeAspect="1"/>
+          </p:cNvPicPr>
+          <p:nvPr/>
+        </p:nvPicPr>
+        <p:blipFill>
+          <a:blip r:embed="rId6">
+            <a:extLst>
+              <a:ext uri="{28A0092B-C50C-407E-A947-70E740481C1C}">
+                <a14:useLocalDpi xmlns:a14="http://schemas.microsoft.com/office/drawing/2010/main" val="0"/>
+              </a:ext>
+            </a:extLst>
+          </a:blip>
+          <a:stretch>
+            <a:fillRect/>
+          </a:stretch>
+        </p:blipFill>
+        <p:spPr>
+          <a:xfrm>
+            <a:off x="4018586" y="3052592"/>
+            <a:ext cx="355600" cy="317500"/>
+          </a:xfrm>
+          <a:prstGeom prst="rect">
+            <a:avLst/>
+          </a:prstGeom>
+        </p:spPr>
+      </p:pic>
+      <p:pic>
+        <p:nvPicPr>
+          <p:cNvPr id="9" name="Picture 8" descr="latex-image-1.pdf"/>
+          <p:cNvPicPr>
+            <a:picLocks noChangeAspect="1"/>
+          </p:cNvPicPr>
+          <p:nvPr/>
+        </p:nvPicPr>
+        <p:blipFill>
+          <a:blip r:embed="rId7">
+            <a:extLst>
+              <a:ext uri="{28A0092B-C50C-407E-A947-70E740481C1C}">
+                <a14:useLocalDpi xmlns:a14="http://schemas.microsoft.com/office/drawing/2010/main" val="0"/>
+              </a:ext>
+            </a:extLst>
+          </a:blip>
+          <a:stretch>
+            <a:fillRect/>
+          </a:stretch>
+        </p:blipFill>
+        <p:spPr>
+          <a:xfrm>
+            <a:off x="4785718" y="3052592"/>
+            <a:ext cx="342900" cy="279400"/>
+          </a:xfrm>
+          <a:prstGeom prst="rect">
+            <a:avLst/>
+          </a:prstGeom>
+        </p:spPr>
+      </p:pic>
+      <p:pic>
+        <p:nvPicPr>
+          <p:cNvPr id="10" name="Picture 9" descr="latex-image-1.pdf"/>
+          <p:cNvPicPr>
+            <a:picLocks noChangeAspect="1"/>
+          </p:cNvPicPr>
+          <p:nvPr/>
+        </p:nvPicPr>
+        <p:blipFill>
+          <a:blip r:embed="rId8">
+            <a:extLst>
+              <a:ext uri="{28A0092B-C50C-407E-A947-70E740481C1C}">
+                <a14:useLocalDpi xmlns:a14="http://schemas.microsoft.com/office/drawing/2010/main" val="0"/>
+              </a:ext>
+            </a:extLst>
+          </a:blip>
+          <a:stretch>
+            <a:fillRect/>
+          </a:stretch>
+        </p:blipFill>
+        <p:spPr>
+          <a:xfrm>
+            <a:off x="3289554" y="3564503"/>
+            <a:ext cx="355600" cy="266700"/>
+          </a:xfrm>
+          <a:prstGeom prst="rect">
+            <a:avLst/>
+          </a:prstGeom>
+        </p:spPr>
+      </p:pic>
+      <p:pic>
+        <p:nvPicPr>
+          <p:cNvPr id="11" name="Picture 10" descr="latex-image-1.pdf"/>
+          <p:cNvPicPr>
+            <a:picLocks noChangeAspect="1"/>
+          </p:cNvPicPr>
+          <p:nvPr/>
+        </p:nvPicPr>
+        <p:blipFill>
+          <a:blip r:embed="rId9">
+            <a:extLst>
+              <a:ext uri="{28A0092B-C50C-407E-A947-70E740481C1C}">
+                <a14:useLocalDpi xmlns:a14="http://schemas.microsoft.com/office/drawing/2010/main" val="0"/>
+              </a:ext>
+            </a:extLst>
+          </a:blip>
+          <a:stretch>
+            <a:fillRect/>
+          </a:stretch>
+        </p:blipFill>
+        <p:spPr>
+          <a:xfrm>
+            <a:off x="4031286" y="3564503"/>
+            <a:ext cx="342900" cy="304800"/>
+          </a:xfrm>
+          <a:prstGeom prst="rect">
+            <a:avLst/>
+          </a:prstGeom>
+        </p:spPr>
+      </p:pic>
+      <p:pic>
+        <p:nvPicPr>
+          <p:cNvPr id="12" name="Picture 11" descr="latex-image-1.pdf"/>
+          <p:cNvPicPr>
+            <a:picLocks noChangeAspect="1"/>
+          </p:cNvPicPr>
+          <p:nvPr/>
+        </p:nvPicPr>
+        <p:blipFill>
+          <a:blip r:embed="rId10">
+            <a:extLst>
+              <a:ext uri="{28A0092B-C50C-407E-A947-70E740481C1C}">
+                <a14:useLocalDpi xmlns:a14="http://schemas.microsoft.com/office/drawing/2010/main" val="0"/>
+              </a:ext>
+            </a:extLst>
+          </a:blip>
+          <a:stretch>
+            <a:fillRect/>
+          </a:stretch>
+        </p:blipFill>
+        <p:spPr>
+          <a:xfrm>
+            <a:off x="4785718" y="3564503"/>
+            <a:ext cx="342900" cy="266700"/>
+          </a:xfrm>
+          <a:prstGeom prst="rect">
+            <a:avLst/>
+          </a:prstGeom>
+        </p:spPr>
+      </p:pic>
+      <p:pic>
+        <p:nvPicPr>
+          <p:cNvPr id="13" name="Picture 12" descr="latex-image-1.pdf"/>
+          <p:cNvPicPr>
+            <a:picLocks noChangeAspect="1"/>
+          </p:cNvPicPr>
+          <p:nvPr/>
+        </p:nvPicPr>
+        <p:blipFill>
+          <a:blip r:embed="rId5">
+            <a:extLst>
+              <a:ext uri="{28A0092B-C50C-407E-A947-70E740481C1C}">
+                <a14:useLocalDpi xmlns:a14="http://schemas.microsoft.com/office/drawing/2010/main" val="0"/>
+              </a:ext>
+            </a:extLst>
+          </a:blip>
+          <a:stretch>
+            <a:fillRect/>
+          </a:stretch>
+        </p:blipFill>
+        <p:spPr>
+          <a:xfrm>
+            <a:off x="5391990" y="3052592"/>
+            <a:ext cx="355600" cy="279400"/>
+          </a:xfrm>
+          <a:prstGeom prst="rect">
+            <a:avLst/>
+          </a:prstGeom>
+        </p:spPr>
+      </p:pic>
+      <p:pic>
+        <p:nvPicPr>
+          <p:cNvPr id="14" name="Picture 13" descr="latex-image-1.pdf"/>
+          <p:cNvPicPr>
+            <a:picLocks noChangeAspect="1"/>
+          </p:cNvPicPr>
+          <p:nvPr/>
+        </p:nvPicPr>
+        <p:blipFill>
+          <a:blip r:embed="rId6">
+            <a:extLst>
+              <a:ext uri="{28A0092B-C50C-407E-A947-70E740481C1C}">
+                <a14:useLocalDpi xmlns:a14="http://schemas.microsoft.com/office/drawing/2010/main" val="0"/>
+              </a:ext>
+            </a:extLst>
+          </a:blip>
+          <a:stretch>
+            <a:fillRect/>
+          </a:stretch>
+        </p:blipFill>
+        <p:spPr>
+          <a:xfrm>
+            <a:off x="6121022" y="3052592"/>
+            <a:ext cx="355600" cy="317500"/>
+          </a:xfrm>
+          <a:prstGeom prst="rect">
+            <a:avLst/>
+          </a:prstGeom>
+        </p:spPr>
+      </p:pic>
+      <p:pic>
+        <p:nvPicPr>
+          <p:cNvPr id="15" name="Picture 14" descr="latex-image-1.pdf"/>
+          <p:cNvPicPr>
+            <a:picLocks noChangeAspect="1"/>
+          </p:cNvPicPr>
+          <p:nvPr/>
+        </p:nvPicPr>
+        <p:blipFill>
+          <a:blip r:embed="rId7">
+            <a:extLst>
+              <a:ext uri="{28A0092B-C50C-407E-A947-70E740481C1C}">
+                <a14:useLocalDpi xmlns:a14="http://schemas.microsoft.com/office/drawing/2010/main" val="0"/>
+              </a:ext>
+            </a:extLst>
+          </a:blip>
+          <a:stretch>
+            <a:fillRect/>
+          </a:stretch>
+        </p:blipFill>
+        <p:spPr>
+          <a:xfrm>
+            <a:off x="6888154" y="3052592"/>
+            <a:ext cx="342900" cy="279400"/>
+          </a:xfrm>
+          <a:prstGeom prst="rect">
+            <a:avLst/>
+          </a:prstGeom>
+        </p:spPr>
+      </p:pic>
+      <p:pic>
+        <p:nvPicPr>
+          <p:cNvPr id="16" name="Picture 15" descr="latex-image-1.pdf"/>
+          <p:cNvPicPr>
+            <a:picLocks noChangeAspect="1"/>
+          </p:cNvPicPr>
+          <p:nvPr/>
+        </p:nvPicPr>
+        <p:blipFill>
+          <a:blip r:embed="rId8">
+            <a:extLst>
+              <a:ext uri="{28A0092B-C50C-407E-A947-70E740481C1C}">
+                <a14:useLocalDpi xmlns:a14="http://schemas.microsoft.com/office/drawing/2010/main" val="0"/>
+              </a:ext>
+            </a:extLst>
+          </a:blip>
+          <a:stretch>
+            <a:fillRect/>
+          </a:stretch>
+        </p:blipFill>
+        <p:spPr>
+          <a:xfrm>
+            <a:off x="5391990" y="3564503"/>
+            <a:ext cx="355600" cy="266700"/>
+          </a:xfrm>
+          <a:prstGeom prst="rect">
+            <a:avLst/>
+          </a:prstGeom>
+        </p:spPr>
+      </p:pic>
+      <p:pic>
+        <p:nvPicPr>
+          <p:cNvPr id="17" name="Picture 16" descr="latex-image-1.pdf"/>
+          <p:cNvPicPr>
+            <a:picLocks noChangeAspect="1"/>
+          </p:cNvPicPr>
+          <p:nvPr/>
+        </p:nvPicPr>
+        <p:blipFill>
+          <a:blip r:embed="rId9">
+            <a:extLst>
+              <a:ext uri="{28A0092B-C50C-407E-A947-70E740481C1C}">
+                <a14:useLocalDpi xmlns:a14="http://schemas.microsoft.com/office/drawing/2010/main" val="0"/>
+              </a:ext>
+            </a:extLst>
+          </a:blip>
+          <a:stretch>
+            <a:fillRect/>
+          </a:stretch>
+        </p:blipFill>
+        <p:spPr>
+          <a:xfrm>
+            <a:off x="6133722" y="3564503"/>
+            <a:ext cx="342900" cy="304800"/>
+          </a:xfrm>
+          <a:prstGeom prst="rect">
+            <a:avLst/>
+          </a:prstGeom>
+        </p:spPr>
+      </p:pic>
+      <p:pic>
+        <p:nvPicPr>
+          <p:cNvPr id="18" name="Picture 17" descr="latex-image-1.pdf"/>
+          <p:cNvPicPr>
+            <a:picLocks noChangeAspect="1"/>
+          </p:cNvPicPr>
+          <p:nvPr/>
+        </p:nvPicPr>
+        <p:blipFill>
+          <a:blip r:embed="rId10">
+            <a:extLst>
+              <a:ext uri="{28A0092B-C50C-407E-A947-70E740481C1C}">
+                <a14:useLocalDpi xmlns:a14="http://schemas.microsoft.com/office/drawing/2010/main" val="0"/>
+              </a:ext>
+            </a:extLst>
+          </a:blip>
+          <a:stretch>
+            <a:fillRect/>
+          </a:stretch>
+        </p:blipFill>
+        <p:spPr>
+          <a:xfrm>
+            <a:off x="6888154" y="3564503"/>
+            <a:ext cx="342900" cy="266700"/>
+          </a:xfrm>
+          <a:prstGeom prst="rect">
+            <a:avLst/>
+          </a:prstGeom>
+        </p:spPr>
+      </p:pic>
+      <p:pic>
+        <p:nvPicPr>
+          <p:cNvPr id="19" name="Picture 18" descr="latex-image-1.pdf"/>
+          <p:cNvPicPr>
+            <a:picLocks noChangeAspect="1"/>
+          </p:cNvPicPr>
+          <p:nvPr/>
+        </p:nvPicPr>
+        <p:blipFill>
+          <a:blip r:embed="rId5">
+            <a:extLst>
+              <a:ext uri="{28A0092B-C50C-407E-A947-70E740481C1C}">
+                <a14:useLocalDpi xmlns:a14="http://schemas.microsoft.com/office/drawing/2010/main" val="0"/>
+              </a:ext>
+            </a:extLst>
+          </a:blip>
+          <a:stretch>
+            <a:fillRect/>
+          </a:stretch>
+        </p:blipFill>
+        <p:spPr>
+          <a:xfrm>
+            <a:off x="1156810" y="3047935"/>
+            <a:ext cx="355600" cy="279400"/>
+          </a:xfrm>
+          <a:prstGeom prst="rect">
+            <a:avLst/>
+          </a:prstGeom>
+        </p:spPr>
+      </p:pic>
+      <p:pic>
+        <p:nvPicPr>
+          <p:cNvPr id="20" name="Picture 19" descr="latex-image-1.pdf"/>
+          <p:cNvPicPr>
+            <a:picLocks noChangeAspect="1"/>
+          </p:cNvPicPr>
+          <p:nvPr/>
+        </p:nvPicPr>
+        <p:blipFill>
+          <a:blip r:embed="rId6">
+            <a:extLst>
+              <a:ext uri="{28A0092B-C50C-407E-A947-70E740481C1C}">
+                <a14:useLocalDpi xmlns:a14="http://schemas.microsoft.com/office/drawing/2010/main" val="0"/>
+              </a:ext>
+            </a:extLst>
+          </a:blip>
+          <a:stretch>
+            <a:fillRect/>
+          </a:stretch>
+        </p:blipFill>
+        <p:spPr>
+          <a:xfrm>
+            <a:off x="1885842" y="3047935"/>
+            <a:ext cx="355600" cy="317500"/>
+          </a:xfrm>
+          <a:prstGeom prst="rect">
+            <a:avLst/>
+          </a:prstGeom>
+        </p:spPr>
+      </p:pic>
+      <p:pic>
+        <p:nvPicPr>
+          <p:cNvPr id="21" name="Picture 20" descr="latex-image-1.pdf"/>
+          <p:cNvPicPr>
+            <a:picLocks noChangeAspect="1"/>
+          </p:cNvPicPr>
+          <p:nvPr/>
+        </p:nvPicPr>
+        <p:blipFill>
+          <a:blip r:embed="rId7">
+            <a:extLst>
+              <a:ext uri="{28A0092B-C50C-407E-A947-70E740481C1C}">
+                <a14:useLocalDpi xmlns:a14="http://schemas.microsoft.com/office/drawing/2010/main" val="0"/>
+              </a:ext>
+            </a:extLst>
+          </a:blip>
+          <a:stretch>
+            <a:fillRect/>
+          </a:stretch>
+        </p:blipFill>
+        <p:spPr>
+          <a:xfrm>
+            <a:off x="2652974" y="3047935"/>
+            <a:ext cx="342900" cy="279400"/>
+          </a:xfrm>
+          <a:prstGeom prst="rect">
+            <a:avLst/>
+          </a:prstGeom>
+        </p:spPr>
+      </p:pic>
+      <p:pic>
+        <p:nvPicPr>
+          <p:cNvPr id="22" name="Picture 21" descr="latex-image-1.pdf"/>
+          <p:cNvPicPr>
+            <a:picLocks noChangeAspect="1"/>
+          </p:cNvPicPr>
+          <p:nvPr/>
+        </p:nvPicPr>
+        <p:blipFill>
+          <a:blip r:embed="rId8">
+            <a:extLst>
+              <a:ext uri="{28A0092B-C50C-407E-A947-70E740481C1C}">
+                <a14:useLocalDpi xmlns:a14="http://schemas.microsoft.com/office/drawing/2010/main" val="0"/>
+              </a:ext>
+            </a:extLst>
+          </a:blip>
+          <a:stretch>
+            <a:fillRect/>
+          </a:stretch>
+        </p:blipFill>
+        <p:spPr>
+          <a:xfrm>
+            <a:off x="1156810" y="3559846"/>
+            <a:ext cx="355600" cy="266700"/>
+          </a:xfrm>
+          <a:prstGeom prst="rect">
+            <a:avLst/>
+          </a:prstGeom>
+        </p:spPr>
+      </p:pic>
+      <p:pic>
+        <p:nvPicPr>
+          <p:cNvPr id="23" name="Picture 22" descr="latex-image-1.pdf"/>
+          <p:cNvPicPr>
+            <a:picLocks noChangeAspect="1"/>
+          </p:cNvPicPr>
+          <p:nvPr/>
+        </p:nvPicPr>
+        <p:blipFill>
+          <a:blip r:embed="rId9">
+            <a:extLst>
+              <a:ext uri="{28A0092B-C50C-407E-A947-70E740481C1C}">
+                <a14:useLocalDpi xmlns:a14="http://schemas.microsoft.com/office/drawing/2010/main" val="0"/>
+              </a:ext>
+            </a:extLst>
+          </a:blip>
+          <a:stretch>
+            <a:fillRect/>
+          </a:stretch>
+        </p:blipFill>
+        <p:spPr>
+          <a:xfrm>
+            <a:off x="1898542" y="3559846"/>
+            <a:ext cx="342900" cy="304800"/>
+          </a:xfrm>
+          <a:prstGeom prst="rect">
+            <a:avLst/>
+          </a:prstGeom>
+        </p:spPr>
+      </p:pic>
+      <p:pic>
+        <p:nvPicPr>
+          <p:cNvPr id="24" name="Picture 23" descr="latex-image-1.pdf"/>
+          <p:cNvPicPr>
+            <a:picLocks noChangeAspect="1"/>
+          </p:cNvPicPr>
+          <p:nvPr/>
+        </p:nvPicPr>
+        <p:blipFill>
+          <a:blip r:embed="rId10">
+            <a:extLst>
+              <a:ext uri="{28A0092B-C50C-407E-A947-70E740481C1C}">
+                <a14:useLocalDpi xmlns:a14="http://schemas.microsoft.com/office/drawing/2010/main" val="0"/>
+              </a:ext>
+            </a:extLst>
+          </a:blip>
+          <a:stretch>
+            <a:fillRect/>
+          </a:stretch>
+        </p:blipFill>
+        <p:spPr>
+          <a:xfrm>
+            <a:off x="2652974" y="3559846"/>
+            <a:ext cx="342900" cy="266700"/>
+          </a:xfrm>
+          <a:prstGeom prst="rect">
+            <a:avLst/>
+          </a:prstGeom>
+        </p:spPr>
+      </p:pic>
+      <p:cxnSp>
+        <p:nvCxnSpPr>
+          <p:cNvPr id="26" name="Straight Connector 25"/>
+          <p:cNvCxnSpPr/>
+          <p:nvPr/>
+        </p:nvCxnSpPr>
+        <p:spPr>
+          <a:xfrm>
+            <a:off x="3130321" y="2155051"/>
+            <a:ext cx="0" cy="2193534"/>
+          </a:xfrm>
+          <a:prstGeom prst="line">
+            <a:avLst/>
+          </a:prstGeom>
+        </p:spPr>
+        <p:style>
+          <a:lnRef idx="2">
+            <a:schemeClr val="dk1"/>
+          </a:lnRef>
+          <a:fillRef idx="0">
+            <a:schemeClr val="dk1"/>
+          </a:fillRef>
+          <a:effectRef idx="1">
+            <a:schemeClr val="dk1"/>
+          </a:effectRef>
+          <a:fontRef idx="minor">
+            <a:schemeClr val="tx1"/>
+          </a:fontRef>
+        </p:style>
+      </p:cxnSp>
+      <p:cxnSp>
+        <p:nvCxnSpPr>
+          <p:cNvPr id="27" name="Straight Connector 26"/>
+          <p:cNvCxnSpPr/>
+          <p:nvPr/>
+        </p:nvCxnSpPr>
+        <p:spPr>
+          <a:xfrm>
+            <a:off x="5271245" y="2155051"/>
+            <a:ext cx="0" cy="2193534"/>
+          </a:xfrm>
+          <a:prstGeom prst="line">
+            <a:avLst/>
+          </a:prstGeom>
+        </p:spPr>
+        <p:style>
+          <a:lnRef idx="2">
+            <a:schemeClr val="dk1"/>
+          </a:lnRef>
+          <a:fillRef idx="0">
+            <a:schemeClr val="dk1"/>
+          </a:fillRef>
+          <a:effectRef idx="1">
+            <a:schemeClr val="dk1"/>
+          </a:effectRef>
+          <a:fontRef idx="minor">
+            <a:schemeClr val="tx1"/>
+          </a:fontRef>
+        </p:style>
+      </p:cxnSp>
+      <p:cxnSp>
+        <p:nvCxnSpPr>
+          <p:cNvPr id="30" name="Straight Connector 29"/>
+          <p:cNvCxnSpPr/>
+          <p:nvPr/>
+        </p:nvCxnSpPr>
+        <p:spPr>
+          <a:xfrm>
+            <a:off x="4107486" y="2722923"/>
+            <a:ext cx="1599269" cy="971450"/>
+          </a:xfrm>
+          <a:prstGeom prst="line">
+            <a:avLst/>
+          </a:prstGeom>
+          <a:ln w="28575" cmpd="sng">
+            <a:solidFill>
+              <a:srgbClr val="008000"/>
+            </a:solidFill>
+            <a:prstDash val="dot"/>
+          </a:ln>
+        </p:spPr>
+        <p:style>
+          <a:lnRef idx="1">
+            <a:schemeClr val="dk1"/>
+          </a:lnRef>
+          <a:fillRef idx="0">
+            <a:schemeClr val="dk1"/>
+          </a:fillRef>
+          <a:effectRef idx="0">
+            <a:schemeClr val="dk1"/>
+          </a:effectRef>
+          <a:fontRef idx="minor">
+            <a:schemeClr val="tx1"/>
+          </a:fontRef>
+        </p:style>
+      </p:cxnSp>
+      <p:cxnSp>
+        <p:nvCxnSpPr>
+          <p:cNvPr id="31" name="Straight Connector 30"/>
+          <p:cNvCxnSpPr/>
+          <p:nvPr/>
+        </p:nvCxnSpPr>
+        <p:spPr>
+          <a:xfrm>
+            <a:off x="4887318" y="2722923"/>
+            <a:ext cx="1599269" cy="971450"/>
+          </a:xfrm>
+          <a:prstGeom prst="line">
+            <a:avLst/>
+          </a:prstGeom>
+          <a:ln w="28575" cmpd="sng">
+            <a:solidFill>
+              <a:srgbClr val="008000"/>
+            </a:solidFill>
+            <a:prstDash val="dot"/>
+          </a:ln>
+        </p:spPr>
+        <p:style>
+          <a:lnRef idx="1">
+            <a:schemeClr val="dk1"/>
+          </a:lnRef>
+          <a:fillRef idx="0">
+            <a:schemeClr val="dk1"/>
+          </a:fillRef>
+          <a:effectRef idx="0">
+            <a:schemeClr val="dk1"/>
+          </a:effectRef>
+          <a:fontRef idx="minor">
+            <a:schemeClr val="tx1"/>
+          </a:fontRef>
+        </p:style>
+      </p:cxnSp>
+      <p:pic>
+        <p:nvPicPr>
+          <p:cNvPr id="32" name="Picture 31" descr="latex-image-1.pdf"/>
+          <p:cNvPicPr>
+            <a:picLocks noChangeAspect="1"/>
+          </p:cNvPicPr>
+          <p:nvPr/>
+        </p:nvPicPr>
+        <p:blipFill>
+          <a:blip r:embed="rId11">
+            <a:extLst>
+              <a:ext uri="{28A0092B-C50C-407E-A947-70E740481C1C}">
+                <a14:useLocalDpi xmlns:a14="http://schemas.microsoft.com/office/drawing/2010/main" val="0"/>
+              </a:ext>
+            </a:extLst>
+          </a:blip>
+          <a:stretch>
+            <a:fillRect/>
+          </a:stretch>
+        </p:blipFill>
+        <p:spPr>
+          <a:xfrm>
+            <a:off x="3378454" y="2252344"/>
+            <a:ext cx="215900" cy="215900"/>
+          </a:xfrm>
+          <a:prstGeom prst="rect">
+            <a:avLst/>
+          </a:prstGeom>
+        </p:spPr>
+      </p:pic>
+      <p:pic>
+        <p:nvPicPr>
+          <p:cNvPr id="33" name="Picture 32" descr="latex-image-1.pdf"/>
+          <p:cNvPicPr>
+            <a:picLocks noChangeAspect="1"/>
+          </p:cNvPicPr>
+          <p:nvPr/>
+        </p:nvPicPr>
+        <p:blipFill>
+          <a:blip r:embed="rId12">
+            <a:extLst>
+              <a:ext uri="{28A0092B-C50C-407E-A947-70E740481C1C}">
+                <a14:useLocalDpi xmlns:a14="http://schemas.microsoft.com/office/drawing/2010/main" val="0"/>
+              </a:ext>
+            </a:extLst>
+          </a:blip>
+          <a:stretch>
+            <a:fillRect/>
+          </a:stretch>
+        </p:blipFill>
+        <p:spPr>
+          <a:xfrm>
+            <a:off x="1898542" y="4079331"/>
+            <a:ext cx="190500" cy="25400"/>
+          </a:xfrm>
+          <a:prstGeom prst="rect">
+            <a:avLst/>
+          </a:prstGeom>
+        </p:spPr>
+      </p:pic>
+      <p:pic>
+        <p:nvPicPr>
+          <p:cNvPr id="34" name="Picture 33" descr="latex-image-1.pdf"/>
+          <p:cNvPicPr>
+            <a:picLocks noChangeAspect="1"/>
+          </p:cNvPicPr>
+          <p:nvPr/>
+        </p:nvPicPr>
+        <p:blipFill>
+          <a:blip r:embed="rId11">
+            <a:extLst>
+              <a:ext uri="{28A0092B-C50C-407E-A947-70E740481C1C}">
+                <a14:useLocalDpi xmlns:a14="http://schemas.microsoft.com/office/drawing/2010/main" val="0"/>
+              </a:ext>
+            </a:extLst>
+          </a:blip>
+          <a:stretch>
+            <a:fillRect/>
+          </a:stretch>
+        </p:blipFill>
+        <p:spPr>
+          <a:xfrm>
+            <a:off x="4107486" y="2252344"/>
+            <a:ext cx="215900" cy="215900"/>
+          </a:xfrm>
+          <a:prstGeom prst="rect">
+            <a:avLst/>
+          </a:prstGeom>
+        </p:spPr>
+      </p:pic>
+      <p:pic>
+        <p:nvPicPr>
+          <p:cNvPr id="35" name="Picture 34" descr="latex-image-1.pdf"/>
+          <p:cNvPicPr>
+            <a:picLocks noChangeAspect="1"/>
+          </p:cNvPicPr>
+          <p:nvPr/>
+        </p:nvPicPr>
+        <p:blipFill>
+          <a:blip r:embed="rId11">
+            <a:extLst>
+              <a:ext uri="{28A0092B-C50C-407E-A947-70E740481C1C}">
+                <a14:useLocalDpi xmlns:a14="http://schemas.microsoft.com/office/drawing/2010/main" val="0"/>
+              </a:ext>
+            </a:extLst>
+          </a:blip>
+          <a:stretch>
+            <a:fillRect/>
+          </a:stretch>
+        </p:blipFill>
+        <p:spPr>
+          <a:xfrm>
+            <a:off x="4869773" y="2252344"/>
+            <a:ext cx="215900" cy="215900"/>
+          </a:xfrm>
+          <a:prstGeom prst="rect">
+            <a:avLst/>
+          </a:prstGeom>
+        </p:spPr>
+      </p:pic>
+      <p:cxnSp>
+        <p:nvCxnSpPr>
+          <p:cNvPr id="36" name="Straight Connector 35"/>
+          <p:cNvCxnSpPr>
+            <a:endCxn id="4" idx="1"/>
+          </p:cNvCxnSpPr>
+          <p:nvPr/>
+        </p:nvCxnSpPr>
+        <p:spPr>
+          <a:xfrm flipV="1">
+            <a:off x="1970571" y="2722923"/>
+            <a:ext cx="1407883" cy="971450"/>
+          </a:xfrm>
+          <a:prstGeom prst="line">
+            <a:avLst/>
+          </a:prstGeom>
+          <a:ln w="28575" cmpd="sng">
+            <a:solidFill>
+              <a:srgbClr val="FF0000"/>
+            </a:solidFill>
+            <a:prstDash val="dot"/>
+          </a:ln>
+        </p:spPr>
+        <p:style>
+          <a:lnRef idx="1">
+            <a:schemeClr val="dk1"/>
+          </a:lnRef>
+          <a:fillRef idx="0">
+            <a:schemeClr val="dk1"/>
+          </a:fillRef>
+          <a:effectRef idx="0">
+            <a:schemeClr val="dk1"/>
+          </a:effectRef>
+          <a:fontRef idx="minor">
+            <a:schemeClr val="tx1"/>
+          </a:fontRef>
+        </p:style>
+      </p:cxnSp>
+      <p:cxnSp>
+        <p:nvCxnSpPr>
+          <p:cNvPr id="42" name="Straight Connector 41"/>
+          <p:cNvCxnSpPr/>
+          <p:nvPr/>
+        </p:nvCxnSpPr>
+        <p:spPr>
+          <a:xfrm flipV="1">
+            <a:off x="2890412" y="2722923"/>
+            <a:ext cx="1407883" cy="971450"/>
+          </a:xfrm>
+          <a:prstGeom prst="line">
+            <a:avLst/>
+          </a:prstGeom>
+          <a:ln w="28575" cmpd="sng">
+            <a:solidFill>
+              <a:srgbClr val="FF0000"/>
+            </a:solidFill>
+            <a:prstDash val="dot"/>
+          </a:ln>
+        </p:spPr>
+        <p:style>
+          <a:lnRef idx="1">
+            <a:schemeClr val="dk1"/>
+          </a:lnRef>
+          <a:fillRef idx="0">
+            <a:schemeClr val="dk1"/>
+          </a:fillRef>
+          <a:effectRef idx="0">
+            <a:schemeClr val="dk1"/>
+          </a:effectRef>
+          <a:fontRef idx="minor">
+            <a:schemeClr val="tx1"/>
+          </a:fontRef>
+        </p:style>
+      </p:cxnSp>
+      <p:cxnSp>
+        <p:nvCxnSpPr>
+          <p:cNvPr id="43" name="Straight Connector 42"/>
+          <p:cNvCxnSpPr/>
+          <p:nvPr/>
+        </p:nvCxnSpPr>
+        <p:spPr>
+          <a:xfrm flipV="1">
+            <a:off x="3569840" y="2722923"/>
+            <a:ext cx="1407883" cy="971450"/>
+          </a:xfrm>
+          <a:prstGeom prst="line">
+            <a:avLst/>
+          </a:prstGeom>
+          <a:ln w="28575" cmpd="sng">
+            <a:solidFill>
+              <a:srgbClr val="FF0000"/>
+            </a:solidFill>
+            <a:prstDash val="dot"/>
+          </a:ln>
+        </p:spPr>
+        <p:style>
+          <a:lnRef idx="1">
+            <a:schemeClr val="dk1"/>
+          </a:lnRef>
+          <a:fillRef idx="0">
+            <a:schemeClr val="dk1"/>
+          </a:fillRef>
+          <a:effectRef idx="0">
+            <a:schemeClr val="dk1"/>
+          </a:effectRef>
+          <a:fontRef idx="minor">
+            <a:schemeClr val="tx1"/>
+          </a:fontRef>
+        </p:style>
+      </p:cxnSp>
+      <p:pic>
+        <p:nvPicPr>
+          <p:cNvPr id="44" name="Picture 43" descr="latex-image-1.pdf"/>
+          <p:cNvPicPr>
+            <a:picLocks noChangeAspect="1"/>
+          </p:cNvPicPr>
+          <p:nvPr/>
+        </p:nvPicPr>
+        <p:blipFill>
+          <a:blip r:embed="rId12">
+            <a:extLst>
+              <a:ext uri="{28A0092B-C50C-407E-A947-70E740481C1C}">
+                <a14:useLocalDpi xmlns:a14="http://schemas.microsoft.com/office/drawing/2010/main" val="0"/>
+              </a:ext>
+            </a:extLst>
+          </a:blip>
+          <a:stretch>
+            <a:fillRect/>
+          </a:stretch>
+        </p:blipFill>
+        <p:spPr>
+          <a:xfrm>
+            <a:off x="2652974" y="4066631"/>
+            <a:ext cx="190500" cy="25400"/>
+          </a:xfrm>
+          <a:prstGeom prst="rect">
+            <a:avLst/>
+          </a:prstGeom>
+        </p:spPr>
+      </p:pic>
+      <p:pic>
+        <p:nvPicPr>
+          <p:cNvPr id="45" name="Picture 44" descr="latex-image-1.pdf"/>
+          <p:cNvPicPr>
+            <a:picLocks noChangeAspect="1"/>
+          </p:cNvPicPr>
+          <p:nvPr/>
+        </p:nvPicPr>
+        <p:blipFill>
+          <a:blip r:embed="rId12">
+            <a:extLst>
+              <a:ext uri="{28A0092B-C50C-407E-A947-70E740481C1C}">
+                <a14:useLocalDpi xmlns:a14="http://schemas.microsoft.com/office/drawing/2010/main" val="0"/>
+              </a:ext>
+            </a:extLst>
+          </a:blip>
+          <a:stretch>
+            <a:fillRect/>
+          </a:stretch>
+        </p:blipFill>
+        <p:spPr>
+          <a:xfrm>
+            <a:off x="3323472" y="4079331"/>
+            <a:ext cx="190500" cy="25400"/>
+          </a:xfrm>
+          <a:prstGeom prst="rect">
+            <a:avLst/>
+          </a:prstGeom>
+        </p:spPr>
+      </p:pic>
+    </p:spTree>
+    <p:extLst>
+      <p:ext uri="{BB962C8B-B14F-4D97-AF65-F5344CB8AC3E}">
+        <p14:creationId xmlns:p14="http://schemas.microsoft.com/office/powerpoint/2010/main" val="2409569627"/>
       </p:ext>
     </p:extLst>
   </p:cSld>
